--- a/exo-sysAdmin/950-Clustering-XSys-en.pptx
+++ b/exo-sysAdmin/950-Clustering-XSys-en.pptx
@@ -19,8 +19,8 @@
     <p:sldId id="407" r:id="rId10"/>
     <p:sldId id="409" r:id="rId11"/>
     <p:sldId id="410" r:id="rId12"/>
-    <p:sldId id="412" r:id="rId13"/>
-    <p:sldId id="411" r:id="rId14"/>
+    <p:sldId id="411" r:id="rId13"/>
+    <p:sldId id="412" r:id="rId14"/>
     <p:sldId id="413" r:id="rId15"/>
     <p:sldId id="417" r:id="rId16"/>
     <p:sldId id="414" r:id="rId17"/>
@@ -1630,7 +1630,7 @@
                 </a:solidFill>
               </a:rPr>
               <a:pPr/>
-              <a:t>10</a:t>
+              <a:t>11</a:t>
             </a:fld>
             <a:endParaRPr lang="en-GB">
               <a:solidFill>
@@ -1737,7 +1737,7 @@
                   <a:tab pos="9144000" algn="l"/>
                 </a:tabLst>
               </a:pPr>
-              <a:t>10</a:t>
+              <a:t>11</a:t>
             </a:fld>
             <a:endParaRPr lang="en-GB" sz="1400">
               <a:solidFill>
@@ -18645,6 +18645,356 @@
       </p:grpSpPr>
       <p:sp>
         <p:nvSpPr>
+          <p:cNvPr id="15362" name="Rectangle 1"/>
+          <p:cNvSpPr>
+            <a:spLocks noGrp="1" noChangeArrowheads="1"/>
+          </p:cNvSpPr>
+          <p:nvPr>
+            <p:ph type="title"/>
+          </p:nvPr>
+        </p:nvSpPr>
+        <p:spPr>
+          <a:xfrm>
+            <a:off x="490435" y="255926"/>
+            <a:ext cx="10179255" cy="454024"/>
+          </a:xfrm>
+        </p:spPr>
+        <p:txBody>
+          <a:bodyPr rIns="41783" anchor="b"/>
+          <a:lstStyle/>
+          <a:p>
+            <a:pPr eaLnBrk="1" hangingPunct="1"/>
+            <a:r>
+              <a:rPr lang="en-US" dirty="0" smtClean="0"/>
+              <a:t>Profile configuration</a:t>
+            </a:r>
+          </a:p>
+        </p:txBody>
+      </p:sp>
+      <p:sp>
+        <p:nvSpPr>
+          <p:cNvPr id="15363" name="Rectangle 2"/>
+          <p:cNvSpPr>
+            <a:spLocks noGrp="1" noChangeArrowheads="1"/>
+          </p:cNvSpPr>
+          <p:nvPr>
+            <p:ph type="body" idx="1"/>
+          </p:nvPr>
+        </p:nvSpPr>
+        <p:spPr>
+          <a:xfrm>
+            <a:off x="507964" y="1350945"/>
+            <a:ext cx="10179255" cy="5089000"/>
+          </a:xfrm>
+        </p:spPr>
+        <p:txBody>
+          <a:bodyPr rIns="41783"/>
+          <a:lstStyle/>
+          <a:p>
+            <a:pPr marL="584962" lvl="1" indent="-219361">
+              <a:lnSpc>
+                <a:spcPct val="100000"/>
+              </a:lnSpc>
+            </a:pPr>
+            <a:r>
+              <a:rPr lang="fr-FR" dirty="0" err="1" smtClean="0"/>
+              <a:t>From</a:t>
+            </a:r>
+            <a:r>
+              <a:rPr lang="fr-FR" dirty="0" smtClean="0"/>
+              <a:t> </a:t>
+            </a:r>
+            <a:r>
+              <a:rPr lang="fr-FR" dirty="0" err="1" smtClean="0"/>
+              <a:t>now</a:t>
+            </a:r>
+            <a:r>
+              <a:rPr lang="fr-FR" dirty="0" smtClean="0"/>
+              <a:t> on, </a:t>
+            </a:r>
+            <a:r>
+              <a:rPr lang="fr-FR" u="sng" dirty="0" smtClean="0"/>
+              <a:t>all</a:t>
+            </a:r>
+            <a:r>
+              <a:rPr lang="fr-FR" dirty="0" smtClean="0"/>
+              <a:t> </a:t>
+            </a:r>
+            <a:r>
+              <a:rPr lang="fr-FR" dirty="0" err="1" smtClean="0"/>
+              <a:t>your</a:t>
+            </a:r>
+            <a:r>
+              <a:rPr lang="fr-FR" dirty="0" smtClean="0"/>
+              <a:t> </a:t>
+            </a:r>
+            <a:r>
+              <a:rPr lang="fr-FR" dirty="0" err="1" smtClean="0"/>
+              <a:t>nodes</a:t>
+            </a:r>
+            <a:r>
+              <a:rPr lang="fr-FR" dirty="0" smtClean="0"/>
+              <a:t> have to </a:t>
+            </a:r>
+            <a:r>
+              <a:rPr lang="fr-FR" dirty="0" err="1" smtClean="0"/>
+              <a:t>start</a:t>
+            </a:r>
+            <a:r>
+              <a:rPr lang="fr-FR" dirty="0" smtClean="0"/>
+              <a:t> </a:t>
+            </a:r>
+            <a:r>
+              <a:rPr lang="fr-FR" dirty="0" err="1" smtClean="0"/>
+              <a:t>using</a:t>
+            </a:r>
+            <a:r>
+              <a:rPr lang="fr-FR" dirty="0" smtClean="0"/>
+              <a:t> the </a:t>
+            </a:r>
+            <a:r>
+              <a:rPr lang="fr-FR" dirty="0" err="1" smtClean="0"/>
+              <a:t>eXo</a:t>
+            </a:r>
+            <a:r>
+              <a:rPr lang="fr-FR" dirty="0" smtClean="0"/>
+              <a:t> profile « cluster ». You </a:t>
+            </a:r>
+            <a:r>
+              <a:rPr lang="fr-FR" dirty="0" err="1" smtClean="0"/>
+              <a:t>remember</a:t>
+            </a:r>
+            <a:r>
+              <a:rPr lang="fr-FR" dirty="0" smtClean="0"/>
+              <a:t> </a:t>
+            </a:r>
+            <a:r>
+              <a:rPr lang="fr-FR" dirty="0" err="1" smtClean="0"/>
+              <a:t>that</a:t>
+            </a:r>
+            <a:r>
+              <a:rPr lang="fr-FR" dirty="0" smtClean="0"/>
+              <a:t> profiles </a:t>
+            </a:r>
+            <a:r>
+              <a:rPr lang="fr-FR" dirty="0" err="1" smtClean="0"/>
+              <a:t>can</a:t>
+            </a:r>
+            <a:r>
+              <a:rPr lang="fr-FR" dirty="0" smtClean="0"/>
+              <a:t> </a:t>
+            </a:r>
+            <a:r>
+              <a:rPr lang="fr-FR" dirty="0" err="1" smtClean="0"/>
+              <a:t>be</a:t>
+            </a:r>
+            <a:r>
+              <a:rPr lang="fr-FR" dirty="0" smtClean="0"/>
+              <a:t> </a:t>
+            </a:r>
+            <a:r>
+              <a:rPr lang="fr-FR" dirty="0" err="1" smtClean="0"/>
+              <a:t>combined</a:t>
+            </a:r>
+            <a:r>
+              <a:rPr lang="fr-FR" dirty="0"/>
+              <a:t>?</a:t>
+            </a:r>
+            <a:endParaRPr lang="fr-FR" dirty="0" smtClean="0"/>
+          </a:p>
+          <a:p>
+            <a:pPr marL="584962" lvl="1" indent="-219361">
+              <a:lnSpc>
+                <a:spcPct val="100000"/>
+              </a:lnSpc>
+            </a:pPr>
+            <a:r>
+              <a:rPr lang="fr-FR" dirty="0" smtClean="0"/>
+              <a:t>To </a:t>
+            </a:r>
+            <a:r>
+              <a:rPr lang="fr-FR" dirty="0" err="1" smtClean="0"/>
+              <a:t>be</a:t>
+            </a:r>
+            <a:r>
+              <a:rPr lang="fr-FR" dirty="0" smtClean="0"/>
+              <a:t> sure </a:t>
+            </a:r>
+            <a:r>
+              <a:rPr lang="fr-FR" dirty="0" err="1" smtClean="0"/>
+              <a:t>that</a:t>
+            </a:r>
+            <a:r>
+              <a:rPr lang="fr-FR" dirty="0" smtClean="0"/>
+              <a:t> </a:t>
+            </a:r>
+            <a:r>
+              <a:rPr lang="fr-FR" dirty="0" err="1" smtClean="0"/>
+              <a:t>you</a:t>
+            </a:r>
+            <a:r>
+              <a:rPr lang="fr-FR" dirty="0" smtClean="0"/>
+              <a:t> </a:t>
+            </a:r>
+            <a:r>
+              <a:rPr lang="fr-FR" dirty="0" err="1" smtClean="0"/>
+              <a:t>always</a:t>
+            </a:r>
+            <a:r>
+              <a:rPr lang="fr-FR" dirty="0" smtClean="0"/>
+              <a:t> </a:t>
+            </a:r>
+            <a:r>
+              <a:rPr lang="fr-FR" dirty="0" err="1" smtClean="0"/>
+              <a:t>start</a:t>
+            </a:r>
+            <a:r>
+              <a:rPr lang="fr-FR" dirty="0" smtClean="0"/>
+              <a:t> </a:t>
+            </a:r>
+            <a:r>
+              <a:rPr lang="fr-FR" dirty="0" err="1" smtClean="0"/>
+              <a:t>eXo</a:t>
+            </a:r>
+            <a:r>
+              <a:rPr lang="fr-FR" dirty="0" smtClean="0"/>
+              <a:t> </a:t>
+            </a:r>
+            <a:r>
+              <a:rPr lang="fr-FR" dirty="0" err="1" smtClean="0"/>
+              <a:t>with</a:t>
+            </a:r>
+            <a:r>
+              <a:rPr lang="fr-FR" dirty="0" smtClean="0"/>
+              <a:t> the correct profiles </a:t>
+            </a:r>
+            <a:r>
+              <a:rPr lang="fr-FR" dirty="0" err="1" smtClean="0"/>
+              <a:t>you</a:t>
+            </a:r>
+            <a:r>
+              <a:rPr lang="fr-FR" dirty="0" smtClean="0"/>
+              <a:t> </a:t>
+            </a:r>
+            <a:r>
+              <a:rPr lang="fr-FR" dirty="0" err="1" smtClean="0"/>
+              <a:t>should</a:t>
+            </a:r>
+            <a:r>
+              <a:rPr lang="fr-FR" dirty="0" smtClean="0"/>
+              <a:t> </a:t>
+            </a:r>
+            <a:r>
+              <a:rPr lang="fr-FR" dirty="0" err="1" smtClean="0"/>
+              <a:t>edit</a:t>
+            </a:r>
+            <a:r>
+              <a:rPr lang="fr-FR" dirty="0" smtClean="0"/>
+              <a:t> </a:t>
+            </a:r>
+            <a:r>
+              <a:rPr lang="fr-FR" dirty="0" err="1" smtClean="0"/>
+              <a:t>gatein.sh</a:t>
+            </a:r>
+            <a:r>
+              <a:rPr lang="fr-FR" dirty="0" smtClean="0"/>
+              <a:t> of all </a:t>
+            </a:r>
+            <a:r>
+              <a:rPr lang="fr-FR" dirty="0" err="1" smtClean="0"/>
+              <a:t>nodes</a:t>
+            </a:r>
+            <a:r>
+              <a:rPr lang="fr-FR" dirty="0" smtClean="0"/>
+              <a:t> as </a:t>
+            </a:r>
+            <a:r>
+              <a:rPr lang="fr-FR" dirty="0" err="1" smtClean="0"/>
+              <a:t>follows</a:t>
+            </a:r>
+            <a:r>
+              <a:rPr lang="fr-FR" dirty="0" smtClean="0"/>
+              <a:t>: </a:t>
+            </a:r>
+            <a:endParaRPr lang="fr-FR" dirty="0"/>
+          </a:p>
+          <a:p>
+            <a:pPr marL="584962" lvl="1" indent="-219361">
+              <a:lnSpc>
+                <a:spcPct val="100000"/>
+              </a:lnSpc>
+            </a:pPr>
+            <a:r>
+              <a:rPr lang="fr-FR" dirty="0"/>
+              <a:t>EXO_PROFILES="-</a:t>
+            </a:r>
+            <a:r>
+              <a:rPr lang="fr-FR" dirty="0" err="1"/>
+              <a:t>Dexo.profiles</a:t>
+            </a:r>
+            <a:r>
+              <a:rPr lang="fr-FR" dirty="0"/>
+              <a:t>=</a:t>
+            </a:r>
+            <a:r>
+              <a:rPr lang="fr-FR" dirty="0" err="1"/>
+              <a:t>default,cluster</a:t>
+            </a:r>
+            <a:r>
+              <a:rPr lang="fr-FR" dirty="0"/>
+              <a:t>" </a:t>
+            </a:r>
+          </a:p>
+          <a:p>
+            <a:pPr marL="584962" lvl="1" indent="-219361">
+              <a:lnSpc>
+                <a:spcPct val="100000"/>
+              </a:lnSpc>
+            </a:pPr>
+            <a:endParaRPr lang="fr-FR" dirty="0"/>
+          </a:p>
+        </p:txBody>
+      </p:sp>
+    </p:spTree>
+    <p:extLst>
+      <p:ext uri="{BB962C8B-B14F-4D97-AF65-F5344CB8AC3E}">
+        <p14:creationId xmlns:p14="http://schemas.microsoft.com/office/powerpoint/2010/main" val="693695454"/>
+      </p:ext>
+    </p:extLst>
+  </p:cSld>
+  <p:clrMapOvr>
+    <a:masterClrMapping/>
+  </p:clrMapOvr>
+  <p:transition xmlns:p14="http://schemas.microsoft.com/office/powerpoint/2010/main"/>
+  <p:timing>
+    <p:tnLst>
+      <p:par>
+        <p:cTn xmlns:p14="http://schemas.microsoft.com/office/powerpoint/2010/main" id="1" dur="indefinite" restart="never" nodeType="tmRoot"/>
+      </p:par>
+    </p:tnLst>
+  </p:timing>
+</p:sld>
+</file>
+
+<file path=ppt/slides/slide11.xml><?xml version="1.0" encoding="utf-8"?>
+<p:sld xmlns:a="http://schemas.openxmlformats.org/drawingml/2006/main" xmlns:r="http://schemas.openxmlformats.org/officeDocument/2006/relationships" xmlns:p="http://schemas.openxmlformats.org/presentationml/2006/main">
+  <p:cSld>
+    <p:spTree>
+      <p:nvGrpSpPr>
+        <p:cNvPr id="1" name=""/>
+        <p:cNvGrpSpPr/>
+        <p:nvPr/>
+      </p:nvGrpSpPr>
+      <p:grpSpPr>
+        <a:xfrm>
+          <a:off x="0" y="0"/>
+          <a:ext cx="0" cy="0"/>
+          <a:chOff x="0" y="0"/>
+          <a:chExt cx="0" cy="0"/>
+        </a:xfrm>
+      </p:grpSpPr>
+      <p:sp>
+        <p:nvSpPr>
           <p:cNvPr id="81922" name="Text Box 1"/>
           <p:cNvSpPr txBox="1">
             <a:spLocks noChangeArrowheads="1"/>
@@ -18740,7 +19090,7 @@
                   <a:tab pos="9144000" algn="l"/>
                 </a:tabLst>
               </a:pPr>
-              <a:t>10</a:t>
+              <a:t>11</a:t>
             </a:fld>
             <a:endParaRPr lang="en-GB" sz="1400">
               <a:solidFill>
@@ -18880,341 +19230,6 @@
 </p:sld>
 </file>
 
-<file path=ppt/slides/slide11.xml><?xml version="1.0" encoding="utf-8"?>
-<p:sld xmlns:a="http://schemas.openxmlformats.org/drawingml/2006/main" xmlns:r="http://schemas.openxmlformats.org/officeDocument/2006/relationships" xmlns:p="http://schemas.openxmlformats.org/presentationml/2006/main">
-  <p:cSld>
-    <p:spTree>
-      <p:nvGrpSpPr>
-        <p:cNvPr id="1" name=""/>
-        <p:cNvGrpSpPr/>
-        <p:nvPr/>
-      </p:nvGrpSpPr>
-      <p:grpSpPr>
-        <a:xfrm>
-          <a:off x="0" y="0"/>
-          <a:ext cx="0" cy="0"/>
-          <a:chOff x="0" y="0"/>
-          <a:chExt cx="0" cy="0"/>
-        </a:xfrm>
-      </p:grpSpPr>
-      <p:sp>
-        <p:nvSpPr>
-          <p:cNvPr id="15362" name="Rectangle 1"/>
-          <p:cNvSpPr>
-            <a:spLocks noGrp="1" noChangeArrowheads="1"/>
-          </p:cNvSpPr>
-          <p:nvPr>
-            <p:ph type="title"/>
-          </p:nvPr>
-        </p:nvSpPr>
-        <p:spPr>
-          <a:xfrm>
-            <a:off x="490435" y="255926"/>
-            <a:ext cx="10179255" cy="454024"/>
-          </a:xfrm>
-        </p:spPr>
-        <p:txBody>
-          <a:bodyPr rIns="41783" anchor="b"/>
-          <a:lstStyle/>
-          <a:p>
-            <a:pPr eaLnBrk="1" hangingPunct="1"/>
-            <a:r>
-              <a:rPr lang="en-US" dirty="0" smtClean="0"/>
-              <a:t>Profile configuration</a:t>
-            </a:r>
-            <a:endParaRPr lang="en-US" dirty="0" smtClean="0"/>
-          </a:p>
-        </p:txBody>
-      </p:sp>
-      <p:sp>
-        <p:nvSpPr>
-          <p:cNvPr id="15363" name="Rectangle 2"/>
-          <p:cNvSpPr>
-            <a:spLocks noGrp="1" noChangeArrowheads="1"/>
-          </p:cNvSpPr>
-          <p:nvPr>
-            <p:ph type="body" idx="1"/>
-          </p:nvPr>
-        </p:nvSpPr>
-        <p:spPr>
-          <a:xfrm>
-            <a:off x="507964" y="1350945"/>
-            <a:ext cx="10179255" cy="5089000"/>
-          </a:xfrm>
-        </p:spPr>
-        <p:txBody>
-          <a:bodyPr rIns="41783"/>
-          <a:lstStyle/>
-          <a:p>
-            <a:pPr marL="584962" lvl="1" indent="-219361">
-              <a:lnSpc>
-                <a:spcPct val="100000"/>
-              </a:lnSpc>
-            </a:pPr>
-            <a:r>
-              <a:rPr lang="fr-FR" dirty="0" err="1" smtClean="0"/>
-              <a:t>From</a:t>
-            </a:r>
-            <a:r>
-              <a:rPr lang="fr-FR" dirty="0" smtClean="0"/>
-              <a:t> </a:t>
-            </a:r>
-            <a:r>
-              <a:rPr lang="fr-FR" dirty="0" err="1" smtClean="0"/>
-              <a:t>now</a:t>
-            </a:r>
-            <a:r>
-              <a:rPr lang="fr-FR" dirty="0" smtClean="0"/>
-              <a:t> on, all </a:t>
-            </a:r>
-            <a:r>
-              <a:rPr lang="fr-FR" dirty="0" err="1" smtClean="0"/>
-              <a:t>your</a:t>
-            </a:r>
-            <a:r>
-              <a:rPr lang="fr-FR" dirty="0" smtClean="0"/>
-              <a:t> </a:t>
-            </a:r>
-            <a:r>
-              <a:rPr lang="fr-FR" dirty="0" err="1" smtClean="0"/>
-              <a:t>node</a:t>
-            </a:r>
-            <a:r>
-              <a:rPr lang="fr-FR" dirty="0" err="1" smtClean="0"/>
-              <a:t>s</a:t>
-            </a:r>
-            <a:r>
-              <a:rPr lang="fr-FR" dirty="0" smtClean="0"/>
-              <a:t> have to </a:t>
-            </a:r>
-            <a:r>
-              <a:rPr lang="fr-FR" dirty="0" err="1" smtClean="0"/>
-              <a:t>start</a:t>
-            </a:r>
-            <a:r>
-              <a:rPr lang="fr-FR" dirty="0" smtClean="0"/>
-              <a:t> </a:t>
-            </a:r>
-            <a:r>
-              <a:rPr lang="fr-FR" dirty="0" err="1" smtClean="0"/>
-              <a:t>using</a:t>
-            </a:r>
-            <a:r>
-              <a:rPr lang="fr-FR" dirty="0" smtClean="0"/>
-              <a:t> the </a:t>
-            </a:r>
-            <a:r>
-              <a:rPr lang="fr-FR" dirty="0" err="1" smtClean="0"/>
-              <a:t>eXo</a:t>
-            </a:r>
-            <a:r>
-              <a:rPr lang="fr-FR" dirty="0" smtClean="0"/>
-              <a:t> profile « cluster ». You </a:t>
-            </a:r>
-            <a:r>
-              <a:rPr lang="fr-FR" dirty="0" err="1" smtClean="0"/>
-              <a:t>remember</a:t>
-            </a:r>
-            <a:r>
-              <a:rPr lang="fr-FR" dirty="0" smtClean="0"/>
-              <a:t> </a:t>
-            </a:r>
-            <a:r>
-              <a:rPr lang="fr-FR" dirty="0" err="1" smtClean="0"/>
-              <a:t>that</a:t>
-            </a:r>
-            <a:r>
-              <a:rPr lang="fr-FR" dirty="0" smtClean="0"/>
-              <a:t> profiles </a:t>
-            </a:r>
-            <a:r>
-              <a:rPr lang="fr-FR" dirty="0" err="1" smtClean="0"/>
-              <a:t>can</a:t>
-            </a:r>
-            <a:r>
-              <a:rPr lang="fr-FR" dirty="0" smtClean="0"/>
-              <a:t> </a:t>
-            </a:r>
-            <a:r>
-              <a:rPr lang="fr-FR" dirty="0" err="1" smtClean="0"/>
-              <a:t>be</a:t>
-            </a:r>
-            <a:r>
-              <a:rPr lang="fr-FR" dirty="0" smtClean="0"/>
-              <a:t> </a:t>
-            </a:r>
-            <a:r>
-              <a:rPr lang="fr-FR" dirty="0" err="1" smtClean="0"/>
-              <a:t>combined</a:t>
-            </a:r>
-            <a:r>
-              <a:rPr lang="fr-FR" dirty="0"/>
-              <a:t>?</a:t>
-            </a:r>
-            <a:endParaRPr lang="fr-FR" dirty="0" smtClean="0"/>
-          </a:p>
-          <a:p>
-            <a:pPr marL="584962" lvl="1" indent="-219361">
-              <a:lnSpc>
-                <a:spcPct val="100000"/>
-              </a:lnSpc>
-            </a:pPr>
-            <a:r>
-              <a:rPr lang="fr-FR" dirty="0" smtClean="0"/>
-              <a:t>To </a:t>
-            </a:r>
-            <a:r>
-              <a:rPr lang="fr-FR" dirty="0" err="1" smtClean="0"/>
-              <a:t>be</a:t>
-            </a:r>
-            <a:r>
-              <a:rPr lang="fr-FR" dirty="0" smtClean="0"/>
-              <a:t> sure </a:t>
-            </a:r>
-            <a:r>
-              <a:rPr lang="fr-FR" dirty="0" err="1" smtClean="0"/>
-              <a:t>that</a:t>
-            </a:r>
-            <a:r>
-              <a:rPr lang="fr-FR" dirty="0" smtClean="0"/>
-              <a:t> </a:t>
-            </a:r>
-            <a:r>
-              <a:rPr lang="fr-FR" dirty="0" err="1" smtClean="0"/>
-              <a:t>you</a:t>
-            </a:r>
-            <a:r>
-              <a:rPr lang="fr-FR" dirty="0" smtClean="0"/>
-              <a:t> </a:t>
-            </a:r>
-            <a:r>
-              <a:rPr lang="fr-FR" dirty="0" err="1" smtClean="0"/>
-              <a:t>always</a:t>
-            </a:r>
-            <a:r>
-              <a:rPr lang="fr-FR" dirty="0" smtClean="0"/>
-              <a:t> </a:t>
-            </a:r>
-            <a:r>
-              <a:rPr lang="fr-FR" dirty="0" err="1" smtClean="0"/>
-              <a:t>starteXo</a:t>
-            </a:r>
-            <a:r>
-              <a:rPr lang="fr-FR" dirty="0" smtClean="0"/>
-              <a:t> </a:t>
-            </a:r>
-            <a:r>
-              <a:rPr lang="fr-FR" dirty="0" err="1" smtClean="0"/>
-              <a:t>with</a:t>
-            </a:r>
-            <a:r>
-              <a:rPr lang="fr-FR" dirty="0" smtClean="0"/>
-              <a:t> the correct profiles </a:t>
-            </a:r>
-            <a:r>
-              <a:rPr lang="fr-FR" dirty="0" err="1" smtClean="0"/>
-              <a:t>you</a:t>
-            </a:r>
-            <a:r>
-              <a:rPr lang="fr-FR" dirty="0" smtClean="0"/>
-              <a:t> </a:t>
-            </a:r>
-            <a:r>
-              <a:rPr lang="fr-FR" dirty="0" err="1" smtClean="0"/>
-              <a:t>should</a:t>
-            </a:r>
-            <a:r>
-              <a:rPr lang="fr-FR" dirty="0" smtClean="0"/>
-              <a:t> </a:t>
-            </a:r>
-            <a:r>
-              <a:rPr lang="fr-FR" dirty="0" err="1" smtClean="0"/>
-              <a:t>edit</a:t>
-            </a:r>
-            <a:r>
-              <a:rPr lang="fr-FR" dirty="0" smtClean="0"/>
-              <a:t> </a:t>
-            </a:r>
-            <a:r>
-              <a:rPr lang="fr-FR" dirty="0" err="1"/>
-              <a:t>gatein.sh</a:t>
-            </a:r>
-            <a:r>
-              <a:rPr lang="fr-FR" dirty="0"/>
-              <a:t> </a:t>
-            </a:r>
-            <a:r>
-              <a:rPr lang="fr-FR" dirty="0" smtClean="0"/>
-              <a:t>as </a:t>
-            </a:r>
-            <a:r>
-              <a:rPr lang="fr-FR" dirty="0" err="1" smtClean="0"/>
-              <a:t>follows</a:t>
-            </a:r>
-            <a:r>
-              <a:rPr lang="fr-FR" dirty="0" smtClean="0"/>
-              <a:t>: </a:t>
-            </a:r>
-            <a:endParaRPr lang="fr-FR" dirty="0"/>
-          </a:p>
-          <a:p>
-            <a:pPr marL="584962" lvl="1" indent="-219361">
-              <a:lnSpc>
-                <a:spcPct val="100000"/>
-              </a:lnSpc>
-            </a:pPr>
-            <a:r>
-              <a:rPr lang="fr-FR" dirty="0"/>
-              <a:t>EXO_PROFILES="-</a:t>
-            </a:r>
-            <a:r>
-              <a:rPr lang="fr-FR" dirty="0" err="1"/>
-              <a:t>Dexo.profiles</a:t>
-            </a:r>
-            <a:r>
-              <a:rPr lang="fr-FR" dirty="0"/>
-              <a:t>=</a:t>
-            </a:r>
-            <a:r>
-              <a:rPr lang="fr-FR" dirty="0" err="1"/>
-              <a:t>default,cluster</a:t>
-            </a:r>
-            <a:r>
-              <a:rPr lang="fr-FR" dirty="0"/>
-              <a:t>" </a:t>
-            </a:r>
-          </a:p>
-          <a:p>
-            <a:pPr marL="584962" lvl="1" indent="-219361">
-              <a:lnSpc>
-                <a:spcPct val="100000"/>
-              </a:lnSpc>
-            </a:pPr>
-            <a:endParaRPr lang="fr-FR" dirty="0"/>
-          </a:p>
-        </p:txBody>
-      </p:sp>
-    </p:spTree>
-    <p:extLst>
-      <p:ext uri="{BB962C8B-B14F-4D97-AF65-F5344CB8AC3E}">
-        <p14:creationId xmlns:p14="http://schemas.microsoft.com/office/powerpoint/2010/main" val="693695454"/>
-      </p:ext>
-    </p:extLst>
-  </p:cSld>
-  <p:clrMapOvr>
-    <a:masterClrMapping/>
-  </p:clrMapOvr>
-  <p:transition xmlns:p14="http://schemas.microsoft.com/office/powerpoint/2010/main"/>
-  <p:timing>
-    <p:tnLst>
-      <p:par>
-        <p:cTn xmlns:p14="http://schemas.microsoft.com/office/powerpoint/2010/main" id="1" dur="indefinite" restart="never" nodeType="tmRoot"/>
-      </p:par>
-    </p:tnLst>
-  </p:timing>
-</p:sld>
-</file>
-
 <file path=ppt/slides/slide12.xml><?xml version="1.0" encoding="utf-8"?>
 <p:sld xmlns:a="http://schemas.openxmlformats.org/drawingml/2006/main" xmlns:r="http://schemas.openxmlformats.org/officeDocument/2006/relationships" xmlns:p="http://schemas.openxmlformats.org/presentationml/2006/main">
   <p:cSld>
@@ -19257,7 +19272,6 @@
               <a:rPr lang="en-US" dirty="0" smtClean="0"/>
               <a:t>Initial Startup</a:t>
             </a:r>
-            <a:endParaRPr lang="en-US" dirty="0" smtClean="0"/>
           </a:p>
         </p:txBody>
       </p:sp>
@@ -19287,48 +19301,16 @@
               </a:lnSpc>
             </a:pPr>
             <a:r>
-              <a:rPr lang="fr-FR" dirty="0" smtClean="0"/>
-              <a:t>For the </a:t>
-            </a:r>
-            <a:r>
-              <a:rPr lang="fr-FR" dirty="0" err="1" smtClean="0"/>
-              <a:t>intial</a:t>
-            </a:r>
-            <a:r>
-              <a:rPr lang="fr-FR" dirty="0" smtClean="0"/>
-              <a:t> startup, </a:t>
-            </a:r>
-            <a:r>
-              <a:rPr lang="fr-FR" dirty="0" err="1" smtClean="0"/>
-              <a:t>only</a:t>
-            </a:r>
-            <a:r>
-              <a:rPr lang="fr-FR" dirty="0" smtClean="0"/>
-              <a:t> </a:t>
-            </a:r>
-            <a:r>
-              <a:rPr lang="fr-FR" dirty="0" err="1" smtClean="0"/>
-              <a:t>start</a:t>
-            </a:r>
-            <a:r>
-              <a:rPr lang="fr-FR" dirty="0" smtClean="0"/>
-              <a:t> </a:t>
-            </a:r>
-            <a:r>
-              <a:rPr lang="fr-FR" u="sng" dirty="0" smtClean="0"/>
+              <a:rPr lang="en-US" dirty="0" smtClean="0"/>
+              <a:t>For the initial startup, only start </a:t>
+            </a:r>
+            <a:r>
+              <a:rPr lang="en-US" u="sng" dirty="0" smtClean="0"/>
               <a:t>one</a:t>
             </a:r>
             <a:r>
-              <a:rPr lang="fr-FR" dirty="0" smtClean="0"/>
-              <a:t> </a:t>
-            </a:r>
-            <a:r>
-              <a:rPr lang="fr-FR" dirty="0" err="1" smtClean="0"/>
-              <a:t>node</a:t>
-            </a:r>
-            <a:r>
-              <a:rPr lang="fr-FR" dirty="0" smtClean="0"/>
-              <a:t>.</a:t>
+              <a:rPr lang="en-US" dirty="0" smtClean="0"/>
+              <a:t> node.</a:t>
             </a:r>
           </a:p>
           <a:p>
@@ -19338,56 +19320,8 @@
               </a:lnSpc>
             </a:pPr>
             <a:r>
-              <a:rPr lang="fr-FR" dirty="0" smtClean="0"/>
-              <a:t>This </a:t>
-            </a:r>
-            <a:r>
-              <a:rPr lang="fr-FR" dirty="0" err="1"/>
-              <a:t>node</a:t>
-            </a:r>
-            <a:r>
-              <a:rPr lang="fr-FR" dirty="0"/>
-              <a:t> </a:t>
-            </a:r>
-            <a:r>
-              <a:rPr lang="fr-FR" dirty="0" err="1"/>
-              <a:t>will</a:t>
-            </a:r>
-            <a:r>
-              <a:rPr lang="fr-FR" dirty="0"/>
-              <a:t> initialise the </a:t>
-            </a:r>
-            <a:r>
-              <a:rPr lang="fr-FR" dirty="0" err="1"/>
-              <a:t>internal</a:t>
-            </a:r>
-            <a:r>
-              <a:rPr lang="fr-FR" dirty="0"/>
-              <a:t> JCR </a:t>
-            </a:r>
-            <a:r>
-              <a:rPr lang="fr-FR" dirty="0" err="1"/>
-              <a:t>database</a:t>
-            </a:r>
-            <a:r>
-              <a:rPr lang="fr-FR" dirty="0"/>
-              <a:t> and </a:t>
-            </a:r>
-            <a:r>
-              <a:rPr lang="fr-FR" dirty="0" err="1"/>
-              <a:t>create</a:t>
-            </a:r>
-            <a:r>
-              <a:rPr lang="fr-FR" dirty="0"/>
-              <a:t> the system </a:t>
-            </a:r>
-            <a:r>
-              <a:rPr lang="fr-FR" dirty="0" err="1" smtClean="0"/>
-              <a:t>workspace</a:t>
-            </a:r>
-            <a:r>
-              <a:rPr lang="fr-FR" dirty="0" smtClean="0"/>
-              <a:t>.</a:t>
+              <a:rPr lang="en-US" dirty="0" smtClean="0"/>
+              <a:t>This node will initialize the internal JCR database and create the system workspace.</a:t>
             </a:r>
           </a:p>
           <a:p>
@@ -19397,136 +19331,8 @@
               </a:lnSpc>
             </a:pPr>
             <a:r>
-              <a:rPr lang="fr-FR" dirty="0" err="1" smtClean="0"/>
-              <a:t>Wait</a:t>
-            </a:r>
-            <a:r>
-              <a:rPr lang="fr-FR" dirty="0" smtClean="0"/>
-              <a:t> </a:t>
-            </a:r>
-            <a:r>
-              <a:rPr lang="fr-FR" dirty="0" err="1" smtClean="0"/>
-              <a:t>until</a:t>
-            </a:r>
-            <a:r>
-              <a:rPr lang="fr-FR" dirty="0" smtClean="0"/>
-              <a:t> </a:t>
-            </a:r>
-            <a:r>
-              <a:rPr lang="fr-FR" dirty="0" err="1" smtClean="0"/>
-              <a:t>this</a:t>
-            </a:r>
-            <a:r>
-              <a:rPr lang="fr-FR" dirty="0" smtClean="0"/>
-              <a:t> </a:t>
-            </a:r>
-            <a:r>
-              <a:rPr lang="fr-FR" dirty="0"/>
-              <a:t>first </a:t>
-            </a:r>
-            <a:r>
-              <a:rPr lang="fr-FR" dirty="0" err="1"/>
-              <a:t>node</a:t>
-            </a:r>
-            <a:r>
-              <a:rPr lang="fr-FR" dirty="0"/>
-              <a:t> </a:t>
-            </a:r>
-            <a:r>
-              <a:rPr lang="fr-FR" dirty="0" err="1"/>
-              <a:t>is</a:t>
-            </a:r>
-            <a:r>
-              <a:rPr lang="fr-FR" dirty="0"/>
-              <a:t> </a:t>
-            </a:r>
-            <a:r>
-              <a:rPr lang="fr-FR" dirty="0" err="1"/>
-              <a:t>definitely</a:t>
-            </a:r>
-            <a:r>
-              <a:rPr lang="fr-FR" dirty="0"/>
-              <a:t> </a:t>
-            </a:r>
-            <a:r>
-              <a:rPr lang="fr-FR" dirty="0" err="1" smtClean="0"/>
-              <a:t>started</a:t>
-            </a:r>
-            <a:r>
-              <a:rPr lang="fr-FR" dirty="0" smtClean="0"/>
-              <a:t>. The </a:t>
-            </a:r>
-            <a:r>
-              <a:rPr lang="fr-FR" dirty="0" err="1" smtClean="0"/>
-              <a:t>node</a:t>
-            </a:r>
-            <a:r>
-              <a:rPr lang="fr-FR" dirty="0" smtClean="0"/>
-              <a:t> </a:t>
-            </a:r>
-            <a:r>
-              <a:rPr lang="fr-FR" dirty="0" err="1" smtClean="0"/>
-              <a:t>is</a:t>
-            </a:r>
-            <a:r>
-              <a:rPr lang="fr-FR" dirty="0" smtClean="0"/>
-              <a:t> </a:t>
-            </a:r>
-            <a:r>
-              <a:rPr lang="fr-FR" dirty="0" err="1" smtClean="0"/>
-              <a:t>definitely</a:t>
-            </a:r>
-            <a:r>
-              <a:rPr lang="fr-FR" dirty="0" smtClean="0"/>
-              <a:t> </a:t>
-            </a:r>
-            <a:r>
-              <a:rPr lang="fr-FR" dirty="0" err="1" smtClean="0"/>
-              <a:t>started</a:t>
-            </a:r>
-            <a:r>
-              <a:rPr lang="fr-FR" dirty="0" smtClean="0"/>
-              <a:t> </a:t>
-            </a:r>
-            <a:r>
-              <a:rPr lang="fr-FR" dirty="0" err="1" smtClean="0"/>
-              <a:t>when</a:t>
-            </a:r>
-            <a:r>
-              <a:rPr lang="fr-FR" dirty="0" smtClean="0"/>
-              <a:t> </a:t>
-            </a:r>
-            <a:r>
-              <a:rPr lang="fr-FR" dirty="0" err="1" smtClean="0"/>
-              <a:t>you</a:t>
-            </a:r>
-            <a:r>
-              <a:rPr lang="fr-FR" dirty="0" smtClean="0"/>
-              <a:t> </a:t>
-            </a:r>
-            <a:r>
-              <a:rPr lang="fr-FR" dirty="0" err="1" smtClean="0"/>
-              <a:t>see</a:t>
-            </a:r>
-            <a:r>
-              <a:rPr lang="fr-FR" dirty="0" smtClean="0"/>
-              <a:t> a message </a:t>
-            </a:r>
-            <a:r>
-              <a:rPr lang="fr-FR" dirty="0" err="1" smtClean="0"/>
-              <a:t>like</a:t>
-            </a:r>
-            <a:r>
-              <a:rPr lang="fr-FR" dirty="0" smtClean="0"/>
-              <a:t> « </a:t>
-            </a:r>
-            <a:r>
-              <a:rPr lang="fr-FR" dirty="0" err="1" smtClean="0"/>
-              <a:t>started</a:t>
-            </a:r>
-            <a:r>
-              <a:rPr lang="fr-FR" dirty="0" smtClean="0"/>
-              <a:t> in 499442ms ».</a:t>
+              <a:rPr lang="en-US" dirty="0" smtClean="0"/>
+              <a:t>Wait until this first node is definitely started. The node is definitely started when you see a message like « started in 424242ms ».</a:t>
             </a:r>
           </a:p>
           <a:p>
@@ -19536,42 +19342,10 @@
               </a:lnSpc>
             </a:pPr>
             <a:r>
-              <a:rPr lang="fr-FR" dirty="0" smtClean="0"/>
-              <a:t>You </a:t>
-            </a:r>
-            <a:r>
-              <a:rPr lang="fr-FR" dirty="0" err="1"/>
-              <a:t>can</a:t>
-            </a:r>
-            <a:r>
-              <a:rPr lang="fr-FR" dirty="0"/>
-              <a:t> </a:t>
-            </a:r>
-            <a:r>
-              <a:rPr lang="fr-FR" dirty="0" err="1"/>
-              <a:t>start</a:t>
-            </a:r>
-            <a:r>
-              <a:rPr lang="fr-FR" dirty="0"/>
-              <a:t> the </a:t>
-            </a:r>
-            <a:r>
-              <a:rPr lang="fr-FR" dirty="0" err="1"/>
-              <a:t>other</a:t>
-            </a:r>
-            <a:r>
-              <a:rPr lang="fr-FR" dirty="0"/>
-              <a:t> </a:t>
-            </a:r>
-            <a:r>
-              <a:rPr lang="fr-FR" dirty="0" err="1"/>
-              <a:t>nodes</a:t>
-            </a:r>
-            <a:r>
-              <a:rPr lang="fr-FR" dirty="0"/>
-              <a:t>. </a:t>
-            </a:r>
-            <a:endParaRPr lang="fr-FR" dirty="0"/>
+              <a:rPr lang="en-US" dirty="0" smtClean="0"/>
+              <a:t>You can start the other nodes. </a:t>
+            </a:r>
+            <a:endParaRPr lang="en-US" dirty="0"/>
           </a:p>
         </p:txBody>
       </p:sp>
@@ -19638,7 +19412,6 @@
               <a:rPr lang="en-US" dirty="0" smtClean="0"/>
               <a:t>Normal Startups and Shutdowns</a:t>
             </a:r>
-            <a:endParaRPr lang="en-US" dirty="0" smtClean="0"/>
           </a:p>
         </p:txBody>
       </p:sp>
@@ -20067,7 +19840,6 @@
               <a:rPr lang="en-US" dirty="0" smtClean="0"/>
               <a:t>Exercise: Two node cluster</a:t>
             </a:r>
-            <a:endParaRPr lang="en-US" dirty="0" smtClean="0"/>
           </a:p>
         </p:txBody>
       </p:sp>
@@ -20109,20 +19881,32 @@
               <a:t>two</a:t>
             </a:r>
             <a:r>
+              <a:rPr lang="fr-FR" dirty="0"/>
+              <a:t>-</a:t>
+            </a:r>
+            <a:r>
+              <a:rPr lang="fr-FR" dirty="0" err="1" smtClean="0"/>
+              <a:t>node</a:t>
+            </a:r>
+            <a:r>
+              <a:rPr lang="fr-FR" dirty="0"/>
+              <a:t>-</a:t>
+            </a:r>
+            <a:r>
+              <a:rPr lang="fr-FR" dirty="0" smtClean="0"/>
+              <a:t>cluster </a:t>
+            </a:r>
+            <a:r>
+              <a:rPr lang="fr-FR" dirty="0" err="1" smtClean="0"/>
+              <a:t>using</a:t>
+            </a:r>
+            <a:r>
               <a:rPr lang="fr-FR" dirty="0" smtClean="0"/>
               <a:t> </a:t>
             </a:r>
             <a:r>
               <a:rPr lang="fr-FR" dirty="0" err="1" smtClean="0"/>
-              <a:t>node</a:t>
-            </a:r>
-            <a:r>
-              <a:rPr lang="fr-FR" dirty="0" smtClean="0"/>
-              <a:t> cluster </a:t>
-            </a:r>
-            <a:r>
-              <a:rPr lang="fr-FR" dirty="0" err="1" smtClean="0"/>
-              <a:t>using</a:t>
+              <a:t>your</a:t>
             </a:r>
             <a:r>
               <a:rPr lang="fr-FR" dirty="0" smtClean="0"/>
@@ -20130,39 +19914,7 @@
             </a:r>
             <a:r>
               <a:rPr lang="fr-FR" dirty="0" err="1" smtClean="0"/>
-              <a:t>you</a:t>
-            </a:r>
-            <a:r>
-              <a:rPr lang="fr-FR" dirty="0" smtClean="0"/>
-              <a:t> </a:t>
-            </a:r>
-            <a:r>
-              <a:rPr lang="fr-FR" dirty="0" err="1" smtClean="0"/>
               <a:t>knowledge</a:t>
-            </a:r>
-            <a:r>
-              <a:rPr lang="fr-FR" dirty="0" smtClean="0"/>
-              <a:t> </a:t>
-            </a:r>
-            <a:r>
-              <a:rPr lang="fr-FR" dirty="0" err="1" smtClean="0"/>
-              <a:t>from</a:t>
-            </a:r>
-            <a:r>
-              <a:rPr lang="fr-FR" dirty="0" smtClean="0"/>
-              <a:t> </a:t>
-            </a:r>
-            <a:r>
-              <a:rPr lang="fr-FR" dirty="0" err="1" smtClean="0"/>
-              <a:t>this</a:t>
-            </a:r>
-            <a:r>
-              <a:rPr lang="fr-FR" dirty="0" smtClean="0"/>
-              <a:t> </a:t>
-            </a:r>
-            <a:r>
-              <a:rPr lang="fr-FR" dirty="0" err="1" smtClean="0"/>
-              <a:t>presentation</a:t>
             </a:r>
             <a:r>
               <a:rPr lang="fr-FR" dirty="0" smtClean="0"/>
@@ -20234,6 +19986,177 @@
             <a:r>
               <a:rPr lang="fr-FR" dirty="0" smtClean="0"/>
               <a:t> computers. </a:t>
+            </a:r>
+            <a:endParaRPr lang="fr-FR" dirty="0"/>
+          </a:p>
+          <a:p>
+            <a:pPr marL="584962" lvl="1" indent="-219361">
+              <a:lnSpc>
+                <a:spcPct val="100000"/>
+              </a:lnSpc>
+            </a:pPr>
+            <a:r>
+              <a:rPr lang="fr-FR" dirty="0" smtClean="0"/>
+              <a:t>If not possible configure a cluster on </a:t>
+            </a:r>
+            <a:r>
+              <a:rPr lang="fr-FR" dirty="0" err="1" smtClean="0"/>
+              <a:t>your</a:t>
+            </a:r>
+            <a:r>
+              <a:rPr lang="fr-FR" dirty="0" smtClean="0"/>
+              <a:t> computer </a:t>
+            </a:r>
+            <a:r>
+              <a:rPr lang="fr-FR" dirty="0" err="1" smtClean="0"/>
+              <a:t>using</a:t>
+            </a:r>
+            <a:r>
+              <a:rPr lang="fr-FR" dirty="0" smtClean="0"/>
+              <a:t> </a:t>
+            </a:r>
+            <a:r>
+              <a:rPr lang="fr-FR" dirty="0" err="1" smtClean="0"/>
+              <a:t>two</a:t>
+            </a:r>
+            <a:r>
+              <a:rPr lang="fr-FR" dirty="0" smtClean="0"/>
+              <a:t> </a:t>
+            </a:r>
+            <a:r>
+              <a:rPr lang="fr-FR" dirty="0" err="1" smtClean="0"/>
+              <a:t>different</a:t>
+            </a:r>
+            <a:r>
+              <a:rPr lang="fr-FR" dirty="0" smtClean="0"/>
+              <a:t> instances of </a:t>
+            </a:r>
+            <a:r>
+              <a:rPr lang="fr-FR" dirty="0" err="1" smtClean="0"/>
+              <a:t>eXo</a:t>
+            </a:r>
+            <a:r>
+              <a:rPr lang="fr-FR" dirty="0" smtClean="0"/>
+              <a:t>. </a:t>
+            </a:r>
+            <a:r>
+              <a:rPr lang="fr-FR" dirty="0" err="1" smtClean="0"/>
+              <a:t>Modify</a:t>
+            </a:r>
+            <a:r>
+              <a:rPr lang="fr-FR" dirty="0" smtClean="0"/>
+              <a:t> the ports of one instance (replace </a:t>
+            </a:r>
+            <a:r>
+              <a:rPr lang="fr-FR" dirty="0" smtClean="0"/>
+              <a:t>all «</a:t>
+            </a:r>
+            <a:r>
+              <a:rPr lang="fr-FR" dirty="0" smtClean="0"/>
+              <a:t> 8080 » by « 8181 » in </a:t>
+            </a:r>
+            <a:r>
+              <a:rPr lang="fr-FR" dirty="0" err="1" smtClean="0"/>
+              <a:t>tomcat</a:t>
+            </a:r>
+            <a:r>
+              <a:rPr lang="fr-FR" dirty="0" smtClean="0"/>
+              <a:t>/</a:t>
+            </a:r>
+            <a:r>
+              <a:rPr lang="fr-FR" dirty="0" err="1" smtClean="0"/>
+              <a:t>conf</a:t>
+            </a:r>
+            <a:r>
+              <a:rPr lang="fr-FR" dirty="0" smtClean="0"/>
+              <a:t>/</a:t>
+            </a:r>
+            <a:r>
+              <a:rPr lang="fr-FR" dirty="0" err="1" smtClean="0"/>
+              <a:t>server.xml</a:t>
+            </a:r>
+            <a:r>
+              <a:rPr lang="fr-FR" dirty="0" smtClean="0"/>
+              <a:t>).</a:t>
+            </a:r>
+          </a:p>
+          <a:p>
+            <a:pPr marL="584962" lvl="1" indent="-219361">
+              <a:lnSpc>
+                <a:spcPct val="100000"/>
+              </a:lnSpc>
+            </a:pPr>
+            <a:r>
+              <a:rPr lang="fr-FR" dirty="0" err="1" smtClean="0"/>
+              <a:t>Don’t</a:t>
+            </a:r>
+            <a:r>
+              <a:rPr lang="fr-FR" dirty="0" smtClean="0"/>
+              <a:t> </a:t>
+            </a:r>
+            <a:r>
+              <a:rPr lang="fr-FR" dirty="0" err="1" smtClean="0"/>
+              <a:t>forget</a:t>
+            </a:r>
+            <a:r>
+              <a:rPr lang="fr-FR" dirty="0" smtClean="0"/>
+              <a:t> to point to the </a:t>
+            </a:r>
+            <a:r>
+              <a:rPr lang="fr-FR" dirty="0" err="1" smtClean="0"/>
+              <a:t>same</a:t>
+            </a:r>
+            <a:r>
+              <a:rPr lang="fr-FR" dirty="0" smtClean="0"/>
+              <a:t> </a:t>
+            </a:r>
+            <a:r>
+              <a:rPr lang="fr-FR" dirty="0" err="1" smtClean="0"/>
+              <a:t>database</a:t>
+            </a:r>
+            <a:r>
+              <a:rPr lang="fr-FR" dirty="0" smtClean="0"/>
+              <a:t> and to the </a:t>
+            </a:r>
+            <a:r>
+              <a:rPr lang="fr-FR" dirty="0" err="1" smtClean="0"/>
+              <a:t>same</a:t>
+            </a:r>
+            <a:r>
+              <a:rPr lang="fr-FR" dirty="0" smtClean="0"/>
+              <a:t> </a:t>
+            </a:r>
+            <a:r>
+              <a:rPr lang="fr-FR" dirty="0" err="1" smtClean="0"/>
+              <a:t>shared</a:t>
+            </a:r>
+            <a:r>
+              <a:rPr lang="fr-FR" dirty="0" smtClean="0"/>
+              <a:t> file system</a:t>
+            </a:r>
+            <a:r>
+              <a:rPr lang="fr-FR" smtClean="0"/>
+              <a:t>, both</a:t>
+            </a:r>
+            <a:r>
+              <a:rPr lang="fr-FR" dirty="0" smtClean="0"/>
+              <a:t> instances have to point to the </a:t>
+            </a:r>
+            <a:r>
+              <a:rPr lang="fr-FR" dirty="0" err="1" smtClean="0"/>
+              <a:t>same</a:t>
+            </a:r>
+            <a:r>
+              <a:rPr lang="fr-FR" dirty="0" smtClean="0"/>
+              <a:t> </a:t>
+            </a:r>
+            <a:r>
+              <a:rPr lang="fr-FR" dirty="0" err="1" smtClean="0"/>
+              <a:t>folder</a:t>
+            </a:r>
+            <a:r>
+              <a:rPr lang="fr-FR" dirty="0" smtClean="0"/>
+              <a:t>.</a:t>
             </a:r>
           </a:p>
           <a:p>
@@ -20251,20 +20174,8 @@
               </a:lnSpc>
             </a:pPr>
             <a:r>
-              <a:rPr lang="fr-FR" dirty="0" smtClean="0"/>
-              <a:t>If not possible configure a cluster on </a:t>
-            </a:r>
-            <a:r>
               <a:rPr lang="fr-FR" dirty="0" err="1" smtClean="0"/>
-              <a:t>your</a:t>
-            </a:r>
-            <a:r>
-              <a:rPr lang="fr-FR" dirty="0" smtClean="0"/>
-              <a:t> computer </a:t>
-            </a:r>
-            <a:r>
-              <a:rPr lang="fr-FR" dirty="0" err="1" smtClean="0"/>
-              <a:t>using</a:t>
+              <a:t>We</a:t>
             </a:r>
             <a:r>
               <a:rPr lang="fr-FR" dirty="0" smtClean="0"/>
@@ -20272,82 +20183,19 @@
             </a:r>
             <a:r>
               <a:rPr lang="fr-FR" dirty="0" err="1" smtClean="0"/>
-              <a:t>two</a:t>
+              <a:t>don’t</a:t>
             </a:r>
             <a:r>
               <a:rPr lang="fr-FR" dirty="0" smtClean="0"/>
               <a:t> </a:t>
             </a:r>
             <a:r>
+              <a:rPr lang="fr-FR" dirty="0" smtClean="0"/>
+              <a:t>configure </a:t>
+            </a:r>
+            <a:r>
               <a:rPr lang="fr-FR" dirty="0" err="1" smtClean="0"/>
-              <a:t>different</a:t>
-            </a:r>
-            <a:r>
-              <a:rPr lang="fr-FR" dirty="0" smtClean="0"/>
-              <a:t> instances of </a:t>
-            </a:r>
-            <a:r>
-              <a:rPr lang="fr-FR" dirty="0" err="1" smtClean="0"/>
-              <a:t>eXo</a:t>
-            </a:r>
-            <a:r>
-              <a:rPr lang="fr-FR" dirty="0" smtClean="0"/>
-              <a:t>. </a:t>
-            </a:r>
-            <a:r>
-              <a:rPr lang="fr-FR" dirty="0" err="1" smtClean="0"/>
-              <a:t>Modify</a:t>
-            </a:r>
-            <a:r>
-              <a:rPr lang="fr-FR" dirty="0" smtClean="0"/>
-              <a:t> the ports of one instance (replace « 8080 » by « 8181 » in </a:t>
-            </a:r>
-            <a:r>
-              <a:rPr lang="fr-FR" dirty="0" err="1" smtClean="0"/>
-              <a:t>tomcat</a:t>
-            </a:r>
-            <a:r>
-              <a:rPr lang="fr-FR" dirty="0" smtClean="0"/>
-              <a:t>/</a:t>
-            </a:r>
-            <a:r>
-              <a:rPr lang="fr-FR" dirty="0" err="1" smtClean="0"/>
-              <a:t>conf</a:t>
-            </a:r>
-            <a:r>
-              <a:rPr lang="fr-FR" dirty="0" smtClean="0"/>
-              <a:t>/</a:t>
-            </a:r>
-            <a:r>
-              <a:rPr lang="fr-FR" dirty="0" err="1" smtClean="0"/>
-              <a:t>server.xml</a:t>
-            </a:r>
-            <a:r>
-              <a:rPr lang="fr-FR" dirty="0" smtClean="0"/>
-              <a:t>).</a:t>
-            </a:r>
-          </a:p>
-          <a:p>
-            <a:pPr marL="584962" lvl="1" indent="-219361">
-              <a:lnSpc>
-                <a:spcPct val="100000"/>
-              </a:lnSpc>
-            </a:pPr>
-            <a:endParaRPr lang="fr-FR" dirty="0"/>
-          </a:p>
-          <a:p>
-            <a:pPr marL="584962" lvl="1" indent="-219361">
-              <a:lnSpc>
-                <a:spcPct val="100000"/>
-              </a:lnSpc>
-            </a:pPr>
-            <a:r>
-              <a:rPr lang="fr-FR" dirty="0" smtClean="0"/>
-              <a:t>You </a:t>
-            </a:r>
-            <a:r>
-              <a:rPr lang="fr-FR" dirty="0" err="1" smtClean="0"/>
-              <a:t>don’t</a:t>
+              <a:t>load</a:t>
             </a:r>
             <a:r>
               <a:rPr lang="fr-FR" dirty="0" smtClean="0"/>
@@ -20355,15 +20203,7 @@
             </a:r>
             <a:r>
               <a:rPr lang="fr-FR" dirty="0" err="1" smtClean="0"/>
-              <a:t>need</a:t>
-            </a:r>
-            <a:r>
-              <a:rPr lang="fr-FR" dirty="0" smtClean="0"/>
-              <a:t> to configure </a:t>
-            </a:r>
-            <a:r>
-              <a:rPr lang="fr-FR" dirty="0" err="1" smtClean="0"/>
-              <a:t>load</a:t>
+              <a:t>balancing</a:t>
             </a:r>
             <a:r>
               <a:rPr lang="fr-FR" dirty="0" smtClean="0"/>
@@ -20371,7 +20211,23 @@
             </a:r>
             <a:r>
               <a:rPr lang="fr-FR" dirty="0" err="1" smtClean="0"/>
-              <a:t>balancing</a:t>
+              <a:t>with</a:t>
+            </a:r>
+            <a:r>
+              <a:rPr lang="fr-FR" dirty="0" smtClean="0"/>
+              <a:t> a front end server – </a:t>
+            </a:r>
+            <a:r>
+              <a:rPr lang="fr-FR" dirty="0" err="1" smtClean="0"/>
+              <a:t>that</a:t>
+            </a:r>
+            <a:r>
+              <a:rPr lang="fr-FR" dirty="0" smtClean="0"/>
+              <a:t> configuration </a:t>
+            </a:r>
+            <a:r>
+              <a:rPr lang="fr-FR" dirty="0" err="1" smtClean="0"/>
+              <a:t>is</a:t>
             </a:r>
             <a:r>
               <a:rPr lang="fr-FR" dirty="0" smtClean="0"/>
@@ -20379,43 +20235,19 @@
             </a:r>
             <a:r>
               <a:rPr lang="fr-FR" dirty="0" err="1" smtClean="0"/>
-              <a:t>with</a:t>
+              <a:t>independant</a:t>
             </a:r>
             <a:r>
               <a:rPr lang="fr-FR" dirty="0" smtClean="0"/>
-              <a:t> a front end server – </a:t>
-            </a:r>
-            <a:r>
-              <a:rPr lang="fr-FR" dirty="0" err="1" smtClean="0"/>
-              <a:t>that</a:t>
+              <a:t> of eXo</a:t>
+            </a:r>
+            <a:r>
+              <a:rPr lang="fr-FR" dirty="0"/>
+              <a:t> </a:t>
             </a:r>
             <a:r>
               <a:rPr lang="fr-FR" dirty="0" smtClean="0"/>
-              <a:t> configuration </a:t>
-            </a:r>
-            <a:r>
-              <a:rPr lang="fr-FR" dirty="0" err="1" smtClean="0"/>
-              <a:t>is</a:t>
-            </a:r>
-            <a:r>
-              <a:rPr lang="fr-FR" dirty="0" smtClean="0"/>
-              <a:t> </a:t>
-            </a:r>
-            <a:r>
-              <a:rPr lang="fr-FR" dirty="0" err="1" smtClean="0"/>
-              <a:t>independant</a:t>
-            </a:r>
-            <a:r>
-              <a:rPr lang="fr-FR" dirty="0" smtClean="0"/>
-              <a:t> of </a:t>
-            </a:r>
-            <a:r>
-              <a:rPr lang="fr-FR" dirty="0" err="1" smtClean="0"/>
-              <a:t>eXo</a:t>
-            </a:r>
-            <a:r>
-              <a:rPr lang="fr-FR" dirty="0" smtClean="0"/>
-              <a:t>.</a:t>
+              <a:t>cluster.</a:t>
             </a:r>
             <a:endParaRPr lang="fr-FR" dirty="0"/>
           </a:p>
@@ -20985,7 +20817,6 @@
               <a:rPr lang="en-US" dirty="0" smtClean="0"/>
               <a:t>Clustering Reasons</a:t>
             </a:r>
-            <a:endParaRPr lang="en-US" dirty="0" smtClean="0"/>
           </a:p>
         </p:txBody>
       </p:sp>
@@ -21024,7 +20855,15 @@
             </a:r>
             <a:r>
               <a:rPr lang="en-US" dirty="0"/>
-              <a:t> platform in cluster mode should be considered in the following cases:      </a:t>
+              <a:t> platform in cluster mode should be </a:t>
+            </a:r>
+            <a:r>
+              <a:rPr lang="en-US" dirty="0" smtClean="0"/>
+              <a:t>taken into account in </a:t>
+            </a:r>
+            <a:r>
+              <a:rPr lang="en-US" dirty="0"/>
+              <a:t>the following cases:      </a:t>
             </a:r>
             <a:endParaRPr lang="en-US" dirty="0" smtClean="0"/>
           </a:p>
@@ -21036,11 +20875,11 @@
             </a:pPr>
             <a:r>
               <a:rPr lang="en-US" dirty="0" smtClean="0"/>
-              <a:t>Load </a:t>
+              <a:t>Load Balancing: </a:t>
             </a:r>
             <a:r>
               <a:rPr lang="en-US" dirty="0"/>
-              <a:t>Balancing : when a single single server node is not enough to handle the </a:t>
+              <a:t>when a single single server node is not enough to handle the </a:t>
             </a:r>
             <a:r>
               <a:rPr lang="en-US" dirty="0" smtClean="0"/>
@@ -21048,7 +20887,23 @@
             </a:r>
             <a:r>
               <a:rPr lang="en-US" dirty="0"/>
-              <a:t>Load Balancing is typically achieved by a front server or device that distributes the request to the cluster nodes. </a:t>
+              <a:t>Load Balancing is </a:t>
+            </a:r>
+            <a:r>
+              <a:rPr lang="en-US" dirty="0" smtClean="0"/>
+              <a:t>achieved </a:t>
+            </a:r>
+            <a:r>
+              <a:rPr lang="en-US" dirty="0"/>
+              <a:t>by a front server or device that distributes the </a:t>
+            </a:r>
+            <a:r>
+              <a:rPr lang="en-US" dirty="0" smtClean="0"/>
+              <a:t>requests </a:t>
+            </a:r>
+            <a:r>
+              <a:rPr lang="en-US" dirty="0"/>
+              <a:t>to the cluster nodes. </a:t>
             </a:r>
             <a:r>
               <a:rPr lang="en-US" dirty="0" smtClean="0"/>
@@ -21063,11 +20918,11 @@
             </a:pPr>
             <a:r>
               <a:rPr lang="en-US" dirty="0" smtClean="0"/>
-              <a:t>High </a:t>
+              <a:t>High Availability: </a:t>
             </a:r>
             <a:r>
               <a:rPr lang="en-US" dirty="0"/>
-              <a:t>Availability : when </a:t>
+              <a:t>when </a:t>
             </a:r>
             <a:r>
               <a:rPr lang="en-US" dirty="0" smtClean="0"/>
@@ -21083,7 +20938,15 @@
             </a:r>
             <a:r>
               <a:rPr lang="en-US" dirty="0"/>
-              <a:t>availability on the data layer can be typically achieved using the native replication implemented by the </a:t>
+              <a:t>availability on the data layer can be </a:t>
+            </a:r>
+            <a:r>
+              <a:rPr lang="en-US" dirty="0" smtClean="0"/>
+              <a:t>achieved </a:t>
+            </a:r>
+            <a:r>
+              <a:rPr lang="en-US" dirty="0"/>
+              <a:t>using the native replication implemented by the </a:t>
             </a:r>
             <a:r>
               <a:rPr lang="en-US" dirty="0" smtClean="0"/>
@@ -21098,9 +20961,8 @@
             </a:pPr>
             <a:r>
               <a:rPr lang="en-US" dirty="0" smtClean="0"/>
-              <a:t>This means that all cluster node access to the same shared file system, and access to the same database.</a:t>
-            </a:r>
-            <a:endParaRPr lang="en-US" dirty="0" smtClean="0"/>
+              <a:t>This means that all cluster nodes access to the same shared file system, and access to the same database. There is no cluster hierarchy, no masters or slaves.</a:t>
+            </a:r>
           </a:p>
         </p:txBody>
       </p:sp>
@@ -21167,7 +21029,6 @@
               <a:rPr lang="en-US" dirty="0" smtClean="0"/>
               <a:t>Shared File System</a:t>
             </a:r>
-            <a:endParaRPr lang="en-US" dirty="0" smtClean="0"/>
           </a:p>
         </p:txBody>
       </p:sp>
@@ -21295,16 +21156,12 @@
               </a:lnSpc>
             </a:pPr>
             <a:r>
+              <a:rPr lang="fr-FR" dirty="0"/>
+              <a:t>T</a:t>
+            </a:r>
+            <a:r>
               <a:rPr lang="fr-FR" dirty="0" smtClean="0"/>
-              <a:t> </a:t>
-            </a:r>
-            <a:r>
-              <a:rPr lang="fr-FR" dirty="0"/>
-              <a:t>the </a:t>
-            </a:r>
-            <a:r>
-              <a:rPr lang="fr-FR" dirty="0" smtClean="0"/>
-              <a:t>value </a:t>
+              <a:t>he value </a:t>
             </a:r>
             <a:r>
               <a:rPr lang="fr-FR" dirty="0" err="1"/>
@@ -21820,7 +21677,6 @@
               <a:rPr lang="en-US" dirty="0" smtClean="0"/>
               <a:t>Clustering Configuration</a:t>
             </a:r>
-            <a:endParaRPr lang="en-US" dirty="0" smtClean="0"/>
           </a:p>
         </p:txBody>
       </p:sp>
@@ -21850,36 +21706,8 @@
               </a:lnSpc>
             </a:pPr>
             <a:r>
-              <a:rPr lang="fr-FR" dirty="0" err="1" smtClean="0"/>
-              <a:t>Clustering</a:t>
-            </a:r>
-            <a:r>
-              <a:rPr lang="fr-FR" dirty="0" smtClean="0"/>
-              <a:t> configuration </a:t>
-            </a:r>
-            <a:r>
-              <a:rPr lang="fr-FR" dirty="0" err="1" smtClean="0"/>
-              <a:t>is</a:t>
-            </a:r>
-            <a:r>
-              <a:rPr lang="fr-FR" dirty="0" smtClean="0"/>
-              <a:t> </a:t>
-            </a:r>
-            <a:r>
-              <a:rPr lang="fr-FR" dirty="0" err="1" smtClean="0"/>
-              <a:t>prepared</a:t>
-            </a:r>
-            <a:r>
-              <a:rPr lang="fr-FR" dirty="0" smtClean="0"/>
-              <a:t> for </a:t>
-            </a:r>
-            <a:r>
-              <a:rPr lang="fr-FR" dirty="0" err="1" smtClean="0"/>
-              <a:t>you</a:t>
-            </a:r>
-            <a:r>
-              <a:rPr lang="fr-FR" dirty="0" smtClean="0"/>
-              <a:t>.</a:t>
+              <a:rPr lang="en-US" dirty="0" smtClean="0"/>
+              <a:t>Clustering configuration is prepared and ready-to-use.</a:t>
             </a:r>
           </a:p>
           <a:p>
@@ -21889,50 +21717,33 @@
               </a:lnSpc>
             </a:pPr>
             <a:r>
-              <a:rPr lang="fr-FR" dirty="0" smtClean="0"/>
-              <a:t>You </a:t>
-            </a:r>
-            <a:r>
-              <a:rPr lang="fr-FR" dirty="0" err="1" smtClean="0"/>
-              <a:t>need</a:t>
-            </a:r>
-            <a:r>
-              <a:rPr lang="fr-FR" dirty="0" smtClean="0"/>
-              <a:t> to </a:t>
-            </a:r>
-            <a:r>
-              <a:rPr lang="fr-FR" dirty="0" err="1" smtClean="0"/>
-              <a:t>modify</a:t>
-            </a:r>
-            <a:r>
-              <a:rPr lang="fr-FR" dirty="0" smtClean="0"/>
-              <a:t> « </a:t>
-            </a:r>
-            <a:r>
-              <a:rPr lang="fr-FR" dirty="0" err="1" smtClean="0"/>
+              <a:rPr lang="en-US" dirty="0" smtClean="0"/>
+              <a:t>You need to modify the file « </a:t>
+            </a:r>
+            <a:r>
+              <a:rPr lang="en-US" dirty="0" err="1" smtClean="0"/>
               <a:t>gatein</a:t>
             </a:r>
             <a:r>
-              <a:rPr lang="fr-FR" dirty="0" smtClean="0"/>
+              <a:rPr lang="en-US" dirty="0" smtClean="0"/>
               <a:t>/</a:t>
             </a:r>
             <a:r>
-              <a:rPr lang="fr-FR" dirty="0" err="1" smtClean="0"/>
+              <a:rPr lang="en-US" dirty="0" err="1" smtClean="0"/>
               <a:t>conf</a:t>
             </a:r>
             <a:r>
-              <a:rPr lang="fr-FR" dirty="0" smtClean="0"/>
+              <a:rPr lang="en-US" dirty="0" smtClean="0"/>
               <a:t>/</a:t>
             </a:r>
             <a:r>
-              <a:rPr lang="fr-FR" dirty="0" err="1" smtClean="0"/>
+              <a:rPr lang="en-US" dirty="0" err="1" smtClean="0"/>
               <a:t>properties.configuration</a:t>
             </a:r>
             <a:r>
-              <a:rPr lang="fr-FR" dirty="0" smtClean="0"/>
+              <a:rPr lang="en-US" dirty="0" smtClean="0"/>
               <a:t> ».</a:t>
             </a:r>
-            <a:endParaRPr lang="fr-FR" dirty="0"/>
           </a:p>
           <a:p>
             <a:pPr marL="584962" lvl="1" indent="-219361">
@@ -21941,48 +21752,16 @@
               </a:lnSpc>
             </a:pPr>
             <a:r>
-              <a:rPr lang="fr-FR" dirty="0"/>
+              <a:rPr lang="en-US" dirty="0" smtClean="0"/>
               <a:t>This </a:t>
             </a:r>
             <a:r>
-              <a:rPr lang="fr-FR" dirty="0" err="1"/>
+              <a:rPr lang="en-US" dirty="0" err="1" smtClean="0"/>
               <a:t>configuration.properties</a:t>
             </a:r>
             <a:r>
-              <a:rPr lang="fr-FR" dirty="0"/>
-              <a:t> file must </a:t>
-            </a:r>
-            <a:r>
-              <a:rPr lang="fr-FR" dirty="0" err="1"/>
-              <a:t>be</a:t>
-            </a:r>
-            <a:r>
-              <a:rPr lang="fr-FR" dirty="0"/>
-              <a:t> set in the </a:t>
-            </a:r>
-            <a:r>
-              <a:rPr lang="fr-FR" dirty="0" err="1"/>
-              <a:t>same</a:t>
-            </a:r>
-            <a:r>
-              <a:rPr lang="fr-FR" dirty="0"/>
-              <a:t> </a:t>
-            </a:r>
-            <a:r>
-              <a:rPr lang="fr-FR" dirty="0" err="1"/>
-              <a:t>way</a:t>
-            </a:r>
-            <a:r>
-              <a:rPr lang="fr-FR" dirty="0"/>
-              <a:t> on all the cluster </a:t>
-            </a:r>
-            <a:r>
-              <a:rPr lang="fr-FR" dirty="0" err="1" smtClean="0"/>
-              <a:t>nodes</a:t>
-            </a:r>
-            <a:r>
-              <a:rPr lang="fr-FR" dirty="0" smtClean="0"/>
-              <a:t>. </a:t>
+              <a:rPr lang="en-US" dirty="0" smtClean="0"/>
+              <a:t> file must be set in the same way on all the cluster nodes. </a:t>
             </a:r>
           </a:p>
           <a:p>
@@ -21992,22 +21771,9 @@
               </a:lnSpc>
             </a:pPr>
             <a:r>
-              <a:rPr lang="fr-FR" dirty="0"/>
-              <a:t>S</a:t>
-            </a:r>
-            <a:r>
-              <a:rPr lang="fr-FR" dirty="0" smtClean="0"/>
-              <a:t>witch </a:t>
-            </a:r>
-            <a:r>
-              <a:rPr lang="fr-FR" dirty="0"/>
-              <a:t>the JCR to cluster </a:t>
-            </a:r>
-            <a:r>
-              <a:rPr lang="fr-FR" dirty="0" smtClean="0"/>
-              <a:t>mode:</a:t>
-            </a:r>
-            <a:endParaRPr lang="fr-FR" dirty="0"/>
+              <a:rPr lang="en-US" dirty="0" smtClean="0"/>
+              <a:t>Switch the JCR to cluster mode:</a:t>
+            </a:r>
           </a:p>
           <a:p>
             <a:pPr marL="584962" lvl="1" indent="-219361">
@@ -22016,19 +21782,19 @@
               </a:lnSpc>
             </a:pPr>
             <a:r>
-              <a:rPr lang="fr-FR" dirty="0" err="1"/>
+              <a:rPr lang="en-US" dirty="0" err="1" smtClean="0"/>
               <a:t>gatein.jcr.config.type</a:t>
             </a:r>
             <a:r>
-              <a:rPr lang="fr-FR" dirty="0"/>
+              <a:rPr lang="en-US" dirty="0" smtClean="0"/>
               <a:t>=cluster </a:t>
             </a:r>
             <a:r>
-              <a:rPr lang="fr-FR" dirty="0" err="1"/>
+              <a:rPr lang="en-US" dirty="0" err="1" smtClean="0"/>
               <a:t>gatein.jcr.index.changefilterclass</a:t>
             </a:r>
             <a:r>
-              <a:rPr lang="fr-FR" dirty="0"/>
+              <a:rPr lang="en-US" dirty="0" smtClean="0"/>
               <a:t>=org.exoplatform.services.jcr.impl.core.query.jbosscache.JBossCacheIndexChangesFilter </a:t>
             </a:r>
           </a:p>
@@ -22039,74 +21805,9 @@
               </a:lnSpc>
             </a:pPr>
             <a:r>
-              <a:rPr lang="fr-FR" dirty="0"/>
-              <a:t>This </a:t>
-            </a:r>
-            <a:r>
-              <a:rPr lang="fr-FR" dirty="0" err="1"/>
-              <a:t>will</a:t>
-            </a:r>
-            <a:r>
-              <a:rPr lang="fr-FR" dirty="0"/>
-              <a:t> tell the JCR to </a:t>
-            </a:r>
-            <a:r>
-              <a:rPr lang="fr-FR" dirty="0" err="1"/>
-              <a:t>enable</a:t>
-            </a:r>
-            <a:r>
-              <a:rPr lang="fr-FR" dirty="0"/>
-              <a:t> </a:t>
-            </a:r>
-            <a:r>
-              <a:rPr lang="fr-FR" dirty="0" err="1"/>
-              <a:t>automatic</a:t>
-            </a:r>
-            <a:r>
-              <a:rPr lang="fr-FR" dirty="0"/>
-              <a:t> network </a:t>
-            </a:r>
-            <a:r>
-              <a:rPr lang="fr-FR" dirty="0" err="1"/>
-              <a:t>replication</a:t>
-            </a:r>
-            <a:r>
-              <a:rPr lang="fr-FR" dirty="0"/>
-              <a:t> and </a:t>
-            </a:r>
-            <a:r>
-              <a:rPr lang="fr-FR" dirty="0" err="1"/>
-              <a:t>discovery</a:t>
-            </a:r>
-            <a:r>
-              <a:rPr lang="fr-FR" dirty="0"/>
-              <a:t> </a:t>
-            </a:r>
-            <a:r>
-              <a:rPr lang="fr-FR" dirty="0" err="1"/>
-              <a:t>between</a:t>
-            </a:r>
-            <a:r>
-              <a:rPr lang="fr-FR" dirty="0"/>
-              <a:t> </a:t>
-            </a:r>
-            <a:r>
-              <a:rPr lang="fr-FR" dirty="0" err="1"/>
-              <a:t>other</a:t>
-            </a:r>
-            <a:r>
-              <a:rPr lang="fr-FR" dirty="0"/>
-              <a:t> cluster </a:t>
-            </a:r>
-            <a:r>
-              <a:rPr lang="fr-FR" dirty="0" err="1"/>
-              <a:t>nodes</a:t>
-            </a:r>
-            <a:r>
-              <a:rPr lang="fr-FR" dirty="0"/>
-              <a:t>.</a:t>
-            </a:r>
-            <a:endParaRPr lang="en-US" dirty="0" smtClean="0"/>
+              <a:rPr lang="en-US" dirty="0" smtClean="0"/>
+              <a:t>This will tell the JCR to enable automatic network replication and discovery between other cluster nodes.</a:t>
+            </a:r>
           </a:p>
         </p:txBody>
       </p:sp>
@@ -22173,7 +21874,6 @@
               <a:rPr lang="en-US" dirty="0" smtClean="0"/>
               <a:t>File System Clustering Configuration</a:t>
             </a:r>
-            <a:endParaRPr lang="en-US" dirty="0" smtClean="0"/>
           </a:p>
         </p:txBody>
       </p:sp>
@@ -22203,132 +21903,8 @@
               </a:lnSpc>
             </a:pPr>
             <a:r>
-              <a:rPr lang="fr-FR" dirty="0" err="1" smtClean="0"/>
-              <a:t>Prepare</a:t>
-            </a:r>
-            <a:r>
-              <a:rPr lang="fr-FR" dirty="0" smtClean="0"/>
-              <a:t> a </a:t>
-            </a:r>
-            <a:r>
-              <a:rPr lang="fr-FR" dirty="0" err="1" smtClean="0"/>
-              <a:t>shared</a:t>
-            </a:r>
-            <a:r>
-              <a:rPr lang="fr-FR" dirty="0" smtClean="0"/>
-              <a:t> file system </a:t>
-            </a:r>
-            <a:r>
-              <a:rPr lang="fr-FR" dirty="0" err="1" smtClean="0"/>
-              <a:t>path</a:t>
-            </a:r>
-            <a:r>
-              <a:rPr lang="fr-FR" dirty="0" smtClean="0"/>
-              <a:t>. You </a:t>
-            </a:r>
-            <a:r>
-              <a:rPr lang="fr-FR" dirty="0" err="1" smtClean="0"/>
-              <a:t>need</a:t>
-            </a:r>
-            <a:r>
-              <a:rPr lang="fr-FR" dirty="0" smtClean="0"/>
-              <a:t> one </a:t>
-            </a:r>
-            <a:r>
-              <a:rPr lang="fr-FR" dirty="0" err="1" smtClean="0"/>
-              <a:t>folder</a:t>
-            </a:r>
-            <a:r>
-              <a:rPr lang="fr-FR" dirty="0" smtClean="0"/>
-              <a:t> for the data </a:t>
-            </a:r>
-            <a:r>
-              <a:rPr lang="fr-FR" dirty="0" err="1" smtClean="0"/>
-              <a:t>storage</a:t>
-            </a:r>
-            <a:r>
-              <a:rPr lang="fr-FR" dirty="0" smtClean="0"/>
-              <a:t> and </a:t>
-            </a:r>
-            <a:r>
-              <a:rPr lang="fr-FR" dirty="0" err="1" smtClean="0"/>
-              <a:t>another</a:t>
-            </a:r>
-            <a:r>
-              <a:rPr lang="fr-FR" dirty="0" smtClean="0"/>
-              <a:t> </a:t>
-            </a:r>
-            <a:r>
-              <a:rPr lang="fr-FR" dirty="0" err="1" smtClean="0"/>
-              <a:t>folder</a:t>
-            </a:r>
-            <a:r>
-              <a:rPr lang="fr-FR" dirty="0" smtClean="0"/>
-              <a:t> for the index. All </a:t>
-            </a:r>
-            <a:r>
-              <a:rPr lang="fr-FR" dirty="0" err="1"/>
-              <a:t>nodes</a:t>
-            </a:r>
-            <a:r>
-              <a:rPr lang="fr-FR" dirty="0"/>
-              <a:t> </a:t>
-            </a:r>
-            <a:r>
-              <a:rPr lang="fr-FR" dirty="0" err="1"/>
-              <a:t>will</a:t>
-            </a:r>
-            <a:r>
-              <a:rPr lang="fr-FR" dirty="0"/>
-              <a:t> </a:t>
-            </a:r>
-            <a:r>
-              <a:rPr lang="fr-FR" dirty="0" err="1"/>
-              <a:t>need</a:t>
-            </a:r>
-            <a:r>
-              <a:rPr lang="fr-FR" dirty="0"/>
-              <a:t> </a:t>
-            </a:r>
-            <a:r>
-              <a:rPr lang="fr-FR" dirty="0" err="1"/>
-              <a:t>read</a:t>
-            </a:r>
-            <a:r>
-              <a:rPr lang="fr-FR" dirty="0"/>
-              <a:t>/</a:t>
-            </a:r>
-            <a:r>
-              <a:rPr lang="fr-FR" dirty="0" err="1"/>
-              <a:t>write</a:t>
-            </a:r>
-            <a:r>
-              <a:rPr lang="fr-FR" dirty="0"/>
-              <a:t> </a:t>
-            </a:r>
-            <a:r>
-              <a:rPr lang="fr-FR" dirty="0" err="1"/>
-              <a:t>access</a:t>
-            </a:r>
-            <a:r>
-              <a:rPr lang="fr-FR" dirty="0"/>
-              <a:t> to </a:t>
-            </a:r>
-            <a:r>
-              <a:rPr lang="fr-FR" dirty="0" err="1"/>
-              <a:t>this</a:t>
-            </a:r>
-            <a:r>
-              <a:rPr lang="fr-FR" dirty="0"/>
-              <a:t> </a:t>
-            </a:r>
-            <a:r>
-              <a:rPr lang="fr-FR" dirty="0" err="1" smtClean="0"/>
-              <a:t>path</a:t>
-            </a:r>
-            <a:r>
-              <a:rPr lang="fr-FR" dirty="0" smtClean="0"/>
-              <a:t>.</a:t>
+              <a:rPr lang="en-US" dirty="0" smtClean="0"/>
+              <a:t>Prepare a shared file system path. You need one folder for the data storage and another folder for the index. All nodes will need read/write access to this path.</a:t>
             </a:r>
           </a:p>
           <a:p>
@@ -22338,36 +21914,38 @@
               </a:lnSpc>
             </a:pPr>
             <a:r>
-              <a:rPr lang="fr-FR" dirty="0" smtClean="0"/>
-              <a:t>Configure </a:t>
-            </a:r>
-            <a:r>
-              <a:rPr lang="fr-FR" dirty="0"/>
-              <a:t>the </a:t>
-            </a:r>
-            <a:r>
-              <a:rPr lang="fr-FR" dirty="0" err="1"/>
-              <a:t>path</a:t>
-            </a:r>
-            <a:r>
-              <a:rPr lang="fr-FR" dirty="0"/>
-              <a:t> for the </a:t>
-            </a:r>
-            <a:r>
-              <a:rPr lang="fr-FR" dirty="0" err="1"/>
-              <a:t>shared</a:t>
-            </a:r>
-            <a:r>
-              <a:rPr lang="fr-FR" dirty="0"/>
-              <a:t> </a:t>
-            </a:r>
-            <a:r>
-              <a:rPr lang="fr-FR" dirty="0" err="1"/>
-              <a:t>filesystem</a:t>
-            </a:r>
-            <a:r>
-              <a:rPr lang="fr-FR" dirty="0"/>
-              <a:t> :</a:t>
+              <a:rPr lang="en-US" dirty="0" smtClean="0"/>
+              <a:t>Configure the path for the shared </a:t>
+            </a:r>
+            <a:r>
+              <a:rPr lang="en-US" dirty="0" smtClean="0"/>
+              <a:t>file system :</a:t>
+            </a:r>
+            <a:br>
+              <a:rPr lang="en-US" dirty="0" smtClean="0"/>
+            </a:br>
+            <a:r>
+              <a:rPr lang="en-US" dirty="0" smtClean="0"/>
+              <a:t/>
+            </a:r>
+            <a:br>
+              <a:rPr lang="en-US" dirty="0" smtClean="0"/>
+            </a:br>
+            <a:r>
+              <a:rPr lang="en-US" dirty="0" err="1" smtClean="0"/>
+              <a:t>gatein.jcr.storage.data.dir</a:t>
+            </a:r>
+            <a:r>
+              <a:rPr lang="en-US" dirty="0" smtClean="0"/>
+              <a:t>=/PATH/TO/SHARED/FS/values </a:t>
+            </a:r>
+            <a:r>
+              <a:rPr lang="en-US" dirty="0" err="1" smtClean="0"/>
+              <a:t>gatein.jcr.index.data.dir</a:t>
+            </a:r>
+            <a:r>
+              <a:rPr lang="en-US" dirty="0" smtClean="0"/>
+              <a:t>=/PATH/TO/SHARED/FS/index </a:t>
             </a:r>
           </a:p>
           <a:p>
@@ -22376,30 +21954,7 @@
                 <a:spcPct val="100000"/>
               </a:lnSpc>
             </a:pPr>
-            <a:r>
-              <a:rPr lang="fr-FR" dirty="0" err="1"/>
-              <a:t>gatein.jcr.storage.data.dir</a:t>
-            </a:r>
-            <a:r>
-              <a:rPr lang="fr-FR" dirty="0"/>
-              <a:t>=/PATH/TO/SHARED/FS/values </a:t>
-            </a:r>
-            <a:r>
-              <a:rPr lang="fr-FR" dirty="0" err="1"/>
-              <a:t>gatein.jcr.index.data.dir</a:t>
-            </a:r>
-            <a:r>
-              <a:rPr lang="fr-FR" dirty="0"/>
-              <a:t>=/PATH/TO/SHARED/FS/index </a:t>
-            </a:r>
-          </a:p>
-          <a:p>
-            <a:pPr marL="584962" lvl="1" indent="-219361">
-              <a:lnSpc>
-                <a:spcPct val="100000"/>
-              </a:lnSpc>
-            </a:pPr>
-            <a:endParaRPr lang="fr-FR" dirty="0"/>
+            <a:endParaRPr lang="en-US" dirty="0"/>
           </a:p>
         </p:txBody>
       </p:sp>
@@ -22474,7 +22029,6 @@
               <a:rPr lang="en-US" dirty="0" smtClean="0"/>
               <a:t> Cache Configuration </a:t>
             </a:r>
-            <a:endParaRPr lang="en-US" dirty="0" smtClean="0"/>
           </a:p>
         </p:txBody>
       </p:sp>
@@ -22504,154 +22058,25 @@
               </a:lnSpc>
             </a:pPr>
             <a:r>
-              <a:rPr lang="fr-FR" dirty="0" err="1" smtClean="0"/>
-              <a:t>Everything</a:t>
-            </a:r>
-            <a:r>
-              <a:rPr lang="fr-FR" dirty="0" smtClean="0"/>
-              <a:t> </a:t>
-            </a:r>
-            <a:r>
-              <a:rPr lang="fr-FR" dirty="0" err="1" smtClean="0"/>
-              <a:t>is</a:t>
-            </a:r>
-            <a:r>
-              <a:rPr lang="fr-FR" dirty="0" smtClean="0"/>
-              <a:t> </a:t>
-            </a:r>
-            <a:r>
-              <a:rPr lang="fr-FR" dirty="0" err="1" smtClean="0"/>
-              <a:t>ready</a:t>
-            </a:r>
-            <a:r>
-              <a:rPr lang="fr-FR" dirty="0" smtClean="0"/>
-              <a:t> </a:t>
-            </a:r>
-            <a:r>
-              <a:rPr lang="fr-FR" dirty="0" err="1" smtClean="0"/>
-              <a:t>now</a:t>
-            </a:r>
-            <a:r>
-              <a:rPr lang="fr-FR" dirty="0" smtClean="0"/>
-              <a:t>. You </a:t>
-            </a:r>
-            <a:r>
-              <a:rPr lang="fr-FR" dirty="0" err="1" smtClean="0"/>
-              <a:t>don’t</a:t>
-            </a:r>
-            <a:r>
-              <a:rPr lang="fr-FR" dirty="0" smtClean="0"/>
-              <a:t> </a:t>
-            </a:r>
-            <a:r>
-              <a:rPr lang="fr-FR" dirty="0" err="1" smtClean="0"/>
-              <a:t>need</a:t>
-            </a:r>
-            <a:r>
-              <a:rPr lang="fr-FR" dirty="0" smtClean="0"/>
-              <a:t> to </a:t>
-            </a:r>
-            <a:r>
-              <a:rPr lang="fr-FR" dirty="0" err="1" smtClean="0"/>
-              <a:t>touch</a:t>
-            </a:r>
-            <a:r>
-              <a:rPr lang="fr-FR" dirty="0" smtClean="0"/>
-              <a:t> the </a:t>
-            </a:r>
-            <a:r>
-              <a:rPr lang="fr-FR" dirty="0" smtClean="0"/>
-              <a:t>files </a:t>
-            </a:r>
-            <a:r>
-              <a:rPr lang="fr-FR" dirty="0" err="1" smtClean="0"/>
-              <a:t>for</a:t>
-            </a:r>
-            <a:r>
-              <a:rPr lang="fr-FR" dirty="0" err="1" smtClean="0"/>
+              <a:rPr lang="en-US" dirty="0" smtClean="0"/>
+              <a:t>Everything is ready now. You don’t need to touch the files for </a:t>
+            </a:r>
+            <a:r>
+              <a:rPr lang="en-US" dirty="0" err="1" smtClean="0"/>
               <a:t>JBoss</a:t>
             </a:r>
             <a:r>
-              <a:rPr lang="fr-FR" dirty="0" smtClean="0"/>
-              <a:t> Cache configuration. </a:t>
-            </a:r>
-            <a:r>
-              <a:rPr lang="fr-FR" dirty="0" smtClean="0"/>
-              <a:t>In </a:t>
-            </a:r>
-            <a:r>
-              <a:rPr lang="fr-FR" dirty="0" err="1" smtClean="0"/>
-              <a:t>some</a:t>
-            </a:r>
-            <a:r>
-              <a:rPr lang="fr-FR" dirty="0" smtClean="0"/>
-              <a:t> </a:t>
-            </a:r>
-            <a:r>
-              <a:rPr lang="fr-FR" dirty="0" err="1" smtClean="0"/>
-              <a:t>special</a:t>
-            </a:r>
-            <a:r>
-              <a:rPr lang="fr-FR" dirty="0" smtClean="0"/>
-              <a:t> cases </a:t>
-            </a:r>
-            <a:r>
-              <a:rPr lang="fr-FR" dirty="0" err="1" smtClean="0"/>
-              <a:t>you</a:t>
-            </a:r>
-            <a:r>
-              <a:rPr lang="fr-FR" dirty="0" smtClean="0"/>
-              <a:t> </a:t>
-            </a:r>
-            <a:r>
-              <a:rPr lang="fr-FR" dirty="0" err="1" smtClean="0"/>
-              <a:t>might</a:t>
-            </a:r>
-            <a:r>
-              <a:rPr lang="fr-FR" dirty="0" smtClean="0"/>
-              <a:t> to </a:t>
-            </a:r>
-            <a:r>
-              <a:rPr lang="fr-FR" dirty="0" err="1" smtClean="0"/>
-              <a:t>modify</a:t>
-            </a:r>
-            <a:r>
-              <a:rPr lang="fr-FR" dirty="0" smtClean="0"/>
-              <a:t> </a:t>
-            </a:r>
-            <a:r>
-              <a:rPr lang="fr-FR" dirty="0" err="1" smtClean="0"/>
-              <a:t>these</a:t>
-            </a:r>
-            <a:r>
-              <a:rPr lang="fr-FR" dirty="0" smtClean="0"/>
-              <a:t> files </a:t>
-            </a:r>
-            <a:r>
-              <a:rPr lang="fr-FR" dirty="0" err="1" smtClean="0"/>
-              <a:t>which</a:t>
-            </a:r>
-            <a:r>
-              <a:rPr lang="fr-FR" dirty="0" smtClean="0"/>
-              <a:t> are </a:t>
-            </a:r>
-            <a:r>
-              <a:rPr lang="fr-FR" dirty="0" err="1" smtClean="0"/>
-              <a:t>referenced</a:t>
-            </a:r>
-            <a:r>
-              <a:rPr lang="fr-FR" dirty="0" smtClean="0"/>
-              <a:t> in </a:t>
-            </a:r>
-            <a:r>
-              <a:rPr lang="fr-FR" dirty="0" err="1" smtClean="0"/>
+              <a:rPr lang="en-US" dirty="0" smtClean="0"/>
+              <a:t> Cache configuration. In some special cases you might to modify these files which are referenced in </a:t>
+            </a:r>
+            <a:r>
+              <a:rPr lang="en-US" dirty="0" err="1" smtClean="0"/>
               <a:t>configuration.properties</a:t>
             </a:r>
             <a:r>
-              <a:rPr lang="fr-FR" dirty="0" smtClean="0"/>
+              <a:rPr lang="en-US" dirty="0" smtClean="0"/>
               <a:t>.</a:t>
             </a:r>
-            <a:endParaRPr lang="fr-FR" dirty="0"/>
           </a:p>
           <a:p>
             <a:pPr marL="584962" lvl="1" indent="-219361">
@@ -22660,65 +22085,65 @@
               </a:lnSpc>
             </a:pPr>
             <a:r>
-              <a:rPr lang="fr-FR" dirty="0"/>
+              <a:rPr lang="en-US" dirty="0" smtClean="0"/>
               <a:t># JCR cache configuration </a:t>
             </a:r>
             <a:br>
-              <a:rPr lang="fr-FR" dirty="0"/>
+              <a:rPr lang="en-US" dirty="0" smtClean="0"/>
             </a:br>
             <a:r>
-              <a:rPr lang="fr-FR" dirty="0" err="1" smtClean="0"/>
+              <a:rPr lang="en-US" dirty="0" err="1" smtClean="0"/>
               <a:t>gatein.jcr.cache.config</a:t>
             </a:r>
             <a:r>
-              <a:rPr lang="fr-FR" dirty="0"/>
+              <a:rPr lang="en-US" dirty="0" smtClean="0"/>
               <a:t>=</a:t>
             </a:r>
             <a:r>
-              <a:rPr lang="fr-FR" dirty="0" err="1"/>
+              <a:rPr lang="en-US" dirty="0" err="1" smtClean="0"/>
               <a:t>classpath</a:t>
             </a:r>
             <a:r>
-              <a:rPr lang="fr-FR" dirty="0"/>
+              <a:rPr lang="en-US" dirty="0" smtClean="0"/>
               <a:t>:/</a:t>
             </a:r>
             <a:r>
-              <a:rPr lang="fr-FR" dirty="0" err="1"/>
+              <a:rPr lang="en-US" dirty="0" err="1" smtClean="0"/>
               <a:t>conf</a:t>
             </a:r>
             <a:r>
-              <a:rPr lang="fr-FR" dirty="0"/>
+              <a:rPr lang="en-US" dirty="0" smtClean="0"/>
               <a:t>/</a:t>
             </a:r>
             <a:r>
-              <a:rPr lang="fr-FR" dirty="0" err="1"/>
+              <a:rPr lang="en-US" dirty="0" err="1" smtClean="0"/>
               <a:t>jcr</a:t>
             </a:r>
             <a:r>
-              <a:rPr lang="fr-FR" dirty="0"/>
+              <a:rPr lang="en-US" dirty="0" smtClean="0"/>
               <a:t>/</a:t>
             </a:r>
             <a:r>
-              <a:rPr lang="fr-FR" dirty="0" err="1"/>
+              <a:rPr lang="en-US" dirty="0" err="1" smtClean="0"/>
               <a:t>jbosscache</a:t>
             </a:r>
             <a:r>
-              <a:rPr lang="fr-FR" dirty="0"/>
+              <a:rPr lang="en-US" dirty="0" smtClean="0"/>
               <a:t>/${</a:t>
             </a:r>
             <a:r>
-              <a:rPr lang="fr-FR" dirty="0" err="1"/>
+              <a:rPr lang="en-US" dirty="0" err="1" smtClean="0"/>
               <a:t>gatein.jcr.config.type</a:t>
             </a:r>
             <a:r>
-              <a:rPr lang="fr-FR" dirty="0"/>
+              <a:rPr lang="en-US" dirty="0" smtClean="0"/>
               <a:t>}/</a:t>
             </a:r>
             <a:r>
-              <a:rPr lang="fr-FR" dirty="0" err="1" smtClean="0"/>
+              <a:rPr lang="en-US" dirty="0" err="1" smtClean="0"/>
               <a:t>config.xml</a:t>
             </a:r>
-            <a:endParaRPr lang="fr-FR" dirty="0" smtClean="0"/>
+            <a:endParaRPr lang="en-US" dirty="0" smtClean="0"/>
           </a:p>
           <a:p>
             <a:pPr marL="584962" lvl="1" indent="-219361">
@@ -22727,89 +22152,65 @@
               </a:lnSpc>
             </a:pPr>
             <a:r>
-              <a:rPr lang="fr-FR" dirty="0" smtClean="0"/>
-              <a:t> </a:t>
-            </a:r>
-            <a:r>
-              <a:rPr lang="fr-FR" dirty="0"/>
-              <a:t># </a:t>
-            </a:r>
-            <a:r>
-              <a:rPr lang="fr-FR" dirty="0" smtClean="0"/>
-              <a:t>JCR </a:t>
-            </a:r>
-            <a:r>
-              <a:rPr lang="fr-FR" dirty="0" err="1"/>
-              <a:t>Locks</a:t>
-            </a:r>
-            <a:r>
-              <a:rPr lang="fr-FR" dirty="0"/>
-              <a:t> configuration </a:t>
-            </a:r>
-            <a:r>
-              <a:rPr lang="fr-FR" dirty="0" smtClean="0"/>
-              <a:t/>
+              <a:rPr lang="en-US" dirty="0" smtClean="0"/>
+              <a:t> # JCR Locks configuration </a:t>
             </a:r>
             <a:br>
-              <a:rPr lang="fr-FR" dirty="0" smtClean="0"/>
+              <a:rPr lang="en-US" dirty="0" smtClean="0"/>
             </a:br>
             <a:r>
-              <a:rPr lang="fr-FR" dirty="0" err="1" smtClean="0"/>
+              <a:rPr lang="en-US" dirty="0" err="1" smtClean="0"/>
               <a:t>gatein.jcr.lock.cache.config</a:t>
             </a:r>
             <a:r>
-              <a:rPr lang="fr-FR" dirty="0"/>
+              <a:rPr lang="en-US" dirty="0" smtClean="0"/>
               <a:t>=</a:t>
             </a:r>
             <a:r>
-              <a:rPr lang="fr-FR" dirty="0" err="1"/>
+              <a:rPr lang="en-US" dirty="0" err="1" smtClean="0"/>
               <a:t>classpath</a:t>
             </a:r>
             <a:r>
-              <a:rPr lang="fr-FR" dirty="0"/>
+              <a:rPr lang="en-US" dirty="0" smtClean="0"/>
               <a:t>:/</a:t>
             </a:r>
             <a:r>
-              <a:rPr lang="fr-FR" dirty="0" err="1"/>
+              <a:rPr lang="en-US" dirty="0" err="1" smtClean="0"/>
               <a:t>conf</a:t>
             </a:r>
             <a:r>
-              <a:rPr lang="fr-FR" dirty="0"/>
+              <a:rPr lang="en-US" dirty="0" smtClean="0"/>
               <a:t>/</a:t>
             </a:r>
             <a:r>
-              <a:rPr lang="fr-FR" dirty="0" err="1"/>
+              <a:rPr lang="en-US" dirty="0" err="1" smtClean="0"/>
               <a:t>jcr</a:t>
             </a:r>
             <a:r>
-              <a:rPr lang="fr-FR" dirty="0"/>
+              <a:rPr lang="en-US" dirty="0" smtClean="0"/>
               <a:t>/</a:t>
             </a:r>
             <a:r>
-              <a:rPr lang="fr-FR" dirty="0" err="1"/>
+              <a:rPr lang="en-US" dirty="0" err="1" smtClean="0"/>
               <a:t>jbosscache</a:t>
             </a:r>
             <a:r>
-              <a:rPr lang="fr-FR" dirty="0"/>
+              <a:rPr lang="en-US" dirty="0" smtClean="0"/>
               <a:t>/${</a:t>
             </a:r>
             <a:r>
-              <a:rPr lang="fr-FR" dirty="0" err="1"/>
+              <a:rPr lang="en-US" dirty="0" err="1" smtClean="0"/>
               <a:t>gatein.jcr.config.type</a:t>
             </a:r>
             <a:r>
-              <a:rPr lang="fr-FR" dirty="0"/>
-              <a:t>}/</a:t>
-            </a:r>
-            <a:r>
-              <a:rPr lang="fr-FR" dirty="0" err="1"/>
-              <a:t>lock-</a:t>
-            </a:r>
-            <a:r>
-              <a:rPr lang="fr-FR" dirty="0" err="1" smtClean="0"/>
+              <a:rPr lang="en-US" dirty="0" smtClean="0"/>
+              <a:t>}/lock-</a:t>
+            </a:r>
+            <a:r>
+              <a:rPr lang="en-US" dirty="0" err="1" smtClean="0"/>
               <a:t>config.xml</a:t>
             </a:r>
-            <a:endParaRPr lang="fr-FR" dirty="0" smtClean="0"/>
+            <a:endParaRPr lang="en-US" dirty="0" smtClean="0"/>
           </a:p>
           <a:p>
             <a:pPr marL="584962" lvl="1" indent="-219361">
@@ -22818,124 +22219,112 @@
               </a:lnSpc>
             </a:pPr>
             <a:r>
-              <a:rPr lang="fr-FR" dirty="0" smtClean="0"/>
+              <a:rPr lang="en-US" dirty="0" smtClean="0"/>
+              <a:t> # JCR Index configuration </a:t>
+            </a:r>
+            <a:br>
+              <a:rPr lang="en-US" dirty="0" smtClean="0"/>
+            </a:br>
+            <a:r>
+              <a:rPr lang="en-US" dirty="0" err="1" smtClean="0"/>
+              <a:t>gatein.jcr.index.cache.config</a:t>
+            </a:r>
+            <a:r>
+              <a:rPr lang="en-US" dirty="0" smtClean="0"/>
+              <a:t>=</a:t>
+            </a:r>
+            <a:r>
+              <a:rPr lang="en-US" dirty="0" err="1" smtClean="0"/>
+              <a:t>classpath</a:t>
+            </a:r>
+            <a:r>
+              <a:rPr lang="en-US" dirty="0" smtClean="0"/>
+              <a:t>:/</a:t>
+            </a:r>
+            <a:r>
+              <a:rPr lang="en-US" dirty="0" err="1" smtClean="0"/>
+              <a:t>conf</a:t>
+            </a:r>
+            <a:r>
+              <a:rPr lang="en-US" dirty="0" smtClean="0"/>
+              <a:t>/</a:t>
+            </a:r>
+            <a:r>
+              <a:rPr lang="en-US" dirty="0" err="1" smtClean="0"/>
+              <a:t>jcr</a:t>
+            </a:r>
+            <a:r>
+              <a:rPr lang="en-US" dirty="0" smtClean="0"/>
+              <a:t>/</a:t>
+            </a:r>
+            <a:r>
+              <a:rPr lang="en-US" dirty="0" err="1" smtClean="0"/>
+              <a:t>jbosscache</a:t>
+            </a:r>
+            <a:r>
+              <a:rPr lang="en-US" dirty="0" smtClean="0"/>
+              <a:t>/cluster/indexer-</a:t>
+            </a:r>
+            <a:r>
+              <a:rPr lang="en-US" dirty="0" err="1" smtClean="0"/>
+              <a:t>config.xml</a:t>
+            </a:r>
+            <a:r>
+              <a:rPr lang="en-US" dirty="0" smtClean="0"/>
               <a:t> </a:t>
             </a:r>
-            <a:r>
-              <a:rPr lang="fr-FR" dirty="0"/>
-              <a:t># JCR Index configuration </a:t>
-            </a:r>
-            <a:r>
-              <a:rPr lang="fr-FR" dirty="0" smtClean="0"/>
-              <a:t/>
-            </a:r>
             <a:br>
-              <a:rPr lang="fr-FR" dirty="0" smtClean="0"/>
+              <a:rPr lang="en-US" dirty="0" smtClean="0"/>
             </a:br>
             <a:r>
-              <a:rPr lang="fr-FR" dirty="0" err="1" smtClean="0"/>
-              <a:t>gatein.jcr.index.cache.config</a:t>
-            </a:r>
-            <a:r>
-              <a:rPr lang="fr-FR" dirty="0"/>
+              <a:rPr lang="en-US" dirty="0" err="1" smtClean="0"/>
+              <a:t>gatein.jcr.jgroups.config</a:t>
+            </a:r>
+            <a:r>
+              <a:rPr lang="en-US" dirty="0" smtClean="0"/>
               <a:t>=</a:t>
             </a:r>
             <a:r>
-              <a:rPr lang="fr-FR" dirty="0" err="1"/>
+              <a:rPr lang="en-US" dirty="0" err="1" smtClean="0"/>
               <a:t>classpath</a:t>
             </a:r>
             <a:r>
-              <a:rPr lang="fr-FR" dirty="0"/>
+              <a:rPr lang="en-US" dirty="0" smtClean="0"/>
               <a:t>:/</a:t>
             </a:r>
             <a:r>
-              <a:rPr lang="fr-FR" dirty="0" err="1"/>
+              <a:rPr lang="en-US" dirty="0" err="1" smtClean="0"/>
               <a:t>conf</a:t>
             </a:r>
             <a:r>
-              <a:rPr lang="fr-FR" dirty="0"/>
+              <a:rPr lang="en-US" dirty="0" smtClean="0"/>
               <a:t>/</a:t>
             </a:r>
             <a:r>
-              <a:rPr lang="fr-FR" dirty="0" err="1"/>
+              <a:rPr lang="en-US" dirty="0" err="1" smtClean="0"/>
               <a:t>jcr</a:t>
             </a:r>
             <a:r>
-              <a:rPr lang="fr-FR" dirty="0"/>
+              <a:rPr lang="en-US" dirty="0" smtClean="0"/>
               <a:t>/</a:t>
             </a:r>
             <a:r>
-              <a:rPr lang="fr-FR" dirty="0" err="1"/>
+              <a:rPr lang="en-US" dirty="0" err="1" smtClean="0"/>
               <a:t>jbosscache</a:t>
             </a:r>
             <a:r>
-              <a:rPr lang="fr-FR" dirty="0"/>
-              <a:t>/cluster/indexer-</a:t>
-            </a:r>
-            <a:r>
-              <a:rPr lang="fr-FR" dirty="0" err="1"/>
-              <a:t>config.xml</a:t>
-            </a:r>
-            <a:r>
-              <a:rPr lang="fr-FR" dirty="0"/>
+              <a:rPr lang="en-US" dirty="0" smtClean="0"/>
+              <a:t>/cluster/</a:t>
+            </a:r>
+            <a:r>
+              <a:rPr lang="en-US" dirty="0" err="1" smtClean="0"/>
+              <a:t>udp-mux.xml</a:t>
+            </a:r>
+            <a:r>
+              <a:rPr lang="en-US" dirty="0" smtClean="0"/>
               <a:t> </a:t>
             </a:r>
-            <a:r>
-              <a:rPr lang="fr-FR" dirty="0" smtClean="0"/>
-              <a:t/>
-            </a:r>
-            <a:br>
-              <a:rPr lang="fr-FR" dirty="0" smtClean="0"/>
-            </a:br>
-            <a:r>
-              <a:rPr lang="fr-FR" dirty="0" err="1" smtClean="0"/>
-              <a:t>gatein.jcr.jgroups.config</a:t>
-            </a:r>
-            <a:r>
-              <a:rPr lang="fr-FR" dirty="0"/>
-              <a:t>=</a:t>
-            </a:r>
-            <a:r>
-              <a:rPr lang="fr-FR" dirty="0" err="1"/>
-              <a:t>classpath</a:t>
-            </a:r>
-            <a:r>
-              <a:rPr lang="fr-FR" dirty="0"/>
-              <a:t>:/</a:t>
-            </a:r>
-            <a:r>
-              <a:rPr lang="fr-FR" dirty="0" err="1"/>
-              <a:t>conf</a:t>
-            </a:r>
-            <a:r>
-              <a:rPr lang="fr-FR" dirty="0"/>
-              <a:t>/</a:t>
-            </a:r>
-            <a:r>
-              <a:rPr lang="fr-FR" dirty="0" err="1"/>
-              <a:t>jcr</a:t>
-            </a:r>
-            <a:r>
-              <a:rPr lang="fr-FR" dirty="0"/>
-              <a:t>/</a:t>
-            </a:r>
-            <a:r>
-              <a:rPr lang="fr-FR" dirty="0" err="1"/>
-              <a:t>jbosscache</a:t>
-            </a:r>
-            <a:r>
-              <a:rPr lang="fr-FR" dirty="0"/>
-              <a:t>/cluster/</a:t>
-            </a:r>
-            <a:r>
-              <a:rPr lang="fr-FR" dirty="0" err="1"/>
-              <a:t>udp-mux.xml</a:t>
-            </a:r>
-            <a:r>
-              <a:rPr lang="fr-FR" dirty="0"/>
-              <a:t> </a:t>
-            </a:r>
-            <a:endParaRPr lang="fr-FR" dirty="0"/>
+            <a:endParaRPr lang="en-US" dirty="0"/>
           </a:p>
         </p:txBody>
       </p:sp>

--- a/exo-sysAdmin/950-Clustering-XSys-en.pptx
+++ b/exo-sysAdmin/950-Clustering-XSys-en.pptx
@@ -20132,11 +20132,11 @@
             </a:r>
             <a:r>
               <a:rPr lang="fr-FR" dirty="0" smtClean="0"/>
-              <a:t> file system</a:t>
-            </a:r>
-            <a:r>
-              <a:rPr lang="fr-FR" smtClean="0"/>
-              <a:t>, both</a:t>
+              <a:t> file system, </a:t>
+            </a:r>
+            <a:r>
+              <a:rPr lang="fr-FR" dirty="0" err="1" smtClean="0"/>
+              <a:t>both</a:t>
             </a:r>
             <a:r>
               <a:rPr lang="fr-FR" dirty="0" smtClean="0"/>
